--- a/프론트엔드기초(PPT)/JAVASCRIPT 5강_조건문.pptx
+++ b/프론트엔드기초(PPT)/JAVASCRIPT 5강_조건문.pptx
@@ -11,11 +11,14 @@
     <p:sldId id="267" r:id="rId5"/>
     <p:sldId id="287" r:id="rId6"/>
     <p:sldId id="288" r:id="rId7"/>
-    <p:sldId id="289" r:id="rId8"/>
-    <p:sldId id="290" r:id="rId9"/>
-    <p:sldId id="291" r:id="rId10"/>
-    <p:sldId id="292" r:id="rId11"/>
-    <p:sldId id="263" r:id="rId12"/>
+    <p:sldId id="293" r:id="rId8"/>
+    <p:sldId id="289" r:id="rId9"/>
+    <p:sldId id="290" r:id="rId10"/>
+    <p:sldId id="295" r:id="rId11"/>
+    <p:sldId id="291" r:id="rId12"/>
+    <p:sldId id="292" r:id="rId13"/>
+    <p:sldId id="296" r:id="rId14"/>
+    <p:sldId id="263" r:id="rId15"/>
   </p:sldIdLst>
   <p:sldSz cx="9144000" cy="6858000" type="screen4x3"/>
   <p:notesSz cx="6858000" cy="9144000"/>
@@ -298,7 +301,7 @@
           <a:p>
             <a:fld id="{FB30EDBD-1C2D-4C1E-B459-B60219FAB484}" type="datetimeFigureOut">
               <a:rPr lang="ko-KR" altLang="en-US" smtClean="0"/>
-              <a:t>2020-09-27</a:t>
+              <a:t>2020-10-03</a:t>
             </a:fld>
             <a:endParaRPr lang="ko-KR" altLang="en-US"/>
           </a:p>
@@ -463,7 +466,7 @@
           <a:p>
             <a:fld id="{FB30EDBD-1C2D-4C1E-B459-B60219FAB484}" type="datetimeFigureOut">
               <a:rPr lang="ko-KR" altLang="en-US" smtClean="0"/>
-              <a:t>2020-09-27</a:t>
+              <a:t>2020-10-03</a:t>
             </a:fld>
             <a:endParaRPr lang="ko-KR" altLang="en-US"/>
           </a:p>
@@ -638,7 +641,7 @@
           <a:p>
             <a:fld id="{FB30EDBD-1C2D-4C1E-B459-B60219FAB484}" type="datetimeFigureOut">
               <a:rPr lang="ko-KR" altLang="en-US" smtClean="0"/>
-              <a:t>2020-09-27</a:t>
+              <a:t>2020-10-03</a:t>
             </a:fld>
             <a:endParaRPr lang="ko-KR" altLang="en-US"/>
           </a:p>
@@ -803,7 +806,7 @@
           <a:p>
             <a:fld id="{FB30EDBD-1C2D-4C1E-B459-B60219FAB484}" type="datetimeFigureOut">
               <a:rPr lang="ko-KR" altLang="en-US" smtClean="0"/>
-              <a:t>2020-09-27</a:t>
+              <a:t>2020-10-03</a:t>
             </a:fld>
             <a:endParaRPr lang="ko-KR" altLang="en-US"/>
           </a:p>
@@ -1044,7 +1047,7 @@
           <a:p>
             <a:fld id="{FB30EDBD-1C2D-4C1E-B459-B60219FAB484}" type="datetimeFigureOut">
               <a:rPr lang="ko-KR" altLang="en-US" smtClean="0"/>
-              <a:t>2020-09-27</a:t>
+              <a:t>2020-10-03</a:t>
             </a:fld>
             <a:endParaRPr lang="ko-KR" altLang="en-US"/>
           </a:p>
@@ -1327,7 +1330,7 @@
           <a:p>
             <a:fld id="{FB30EDBD-1C2D-4C1E-B459-B60219FAB484}" type="datetimeFigureOut">
               <a:rPr lang="ko-KR" altLang="en-US" smtClean="0"/>
-              <a:t>2020-09-27</a:t>
+              <a:t>2020-10-03</a:t>
             </a:fld>
             <a:endParaRPr lang="ko-KR" altLang="en-US"/>
           </a:p>
@@ -1744,7 +1747,7 @@
           <a:p>
             <a:fld id="{FB30EDBD-1C2D-4C1E-B459-B60219FAB484}" type="datetimeFigureOut">
               <a:rPr lang="ko-KR" altLang="en-US" smtClean="0"/>
-              <a:t>2020-09-27</a:t>
+              <a:t>2020-10-03</a:t>
             </a:fld>
             <a:endParaRPr lang="ko-KR" altLang="en-US"/>
           </a:p>
@@ -1857,7 +1860,7 @@
           <a:p>
             <a:fld id="{FB30EDBD-1C2D-4C1E-B459-B60219FAB484}" type="datetimeFigureOut">
               <a:rPr lang="ko-KR" altLang="en-US" smtClean="0"/>
-              <a:t>2020-09-27</a:t>
+              <a:t>2020-10-03</a:t>
             </a:fld>
             <a:endParaRPr lang="ko-KR" altLang="en-US"/>
           </a:p>
@@ -1947,7 +1950,7 @@
           <a:p>
             <a:fld id="{FB30EDBD-1C2D-4C1E-B459-B60219FAB484}" type="datetimeFigureOut">
               <a:rPr lang="ko-KR" altLang="en-US" smtClean="0"/>
-              <a:t>2020-09-27</a:t>
+              <a:t>2020-10-03</a:t>
             </a:fld>
             <a:endParaRPr lang="ko-KR" altLang="en-US"/>
           </a:p>
@@ -2219,7 +2222,7 @@
           <a:p>
             <a:fld id="{FB30EDBD-1C2D-4C1E-B459-B60219FAB484}" type="datetimeFigureOut">
               <a:rPr lang="ko-KR" altLang="en-US" smtClean="0"/>
-              <a:t>2020-09-27</a:t>
+              <a:t>2020-10-03</a:t>
             </a:fld>
             <a:endParaRPr lang="ko-KR" altLang="en-US"/>
           </a:p>
@@ -2467,7 +2470,7 @@
           <a:p>
             <a:fld id="{FB30EDBD-1C2D-4C1E-B459-B60219FAB484}" type="datetimeFigureOut">
               <a:rPr lang="ko-KR" altLang="en-US" smtClean="0"/>
-              <a:t>2020-09-27</a:t>
+              <a:t>2020-10-03</a:t>
             </a:fld>
             <a:endParaRPr lang="ko-KR" altLang="en-US"/>
           </a:p>
@@ -2675,7 +2678,7 @@
           <a:p>
             <a:fld id="{FB30EDBD-1C2D-4C1E-B459-B60219FAB484}" type="datetimeFigureOut">
               <a:rPr lang="ko-KR" altLang="en-US" smtClean="0"/>
-              <a:t>2020-09-27</a:t>
+              <a:t>2020-10-03</a:t>
             </a:fld>
             <a:endParaRPr lang="ko-KR" altLang="en-US"/>
           </a:p>
@@ -3303,6 +3306,840 @@
 <file path=ppt/slides/slide10.xml><?xml version="1.0" encoding="utf-8"?>
 <p:sld xmlns:a="http://schemas.openxmlformats.org/drawingml/2006/main" xmlns:r="http://schemas.openxmlformats.org/officeDocument/2006/relationships" xmlns:p="http://schemas.openxmlformats.org/presentationml/2006/main">
   <p:cSld>
+    <p:bg>
+      <p:bgPr>
+        <a:solidFill>
+          <a:schemeClr val="accent3">
+            <a:lumMod val="75000"/>
+            <a:alpha val="50000"/>
+          </a:schemeClr>
+        </a:solidFill>
+        <a:effectLst/>
+      </p:bgPr>
+    </p:bg>
+    <p:spTree>
+      <p:nvGrpSpPr>
+        <p:cNvPr id="1" name=""/>
+        <p:cNvGrpSpPr/>
+        <p:nvPr/>
+      </p:nvGrpSpPr>
+      <p:grpSpPr>
+        <a:xfrm>
+          <a:off x="0" y="0"/>
+          <a:ext cx="0" cy="0"/>
+          <a:chOff x="0" y="0"/>
+          <a:chExt cx="0" cy="0"/>
+        </a:xfrm>
+      </p:grpSpPr>
+      <p:sp>
+        <p:nvSpPr>
+          <p:cNvPr id="2" name="제목 1"/>
+          <p:cNvSpPr>
+            <a:spLocks noGrp="1"/>
+          </p:cNvSpPr>
+          <p:nvPr>
+            <p:ph type="ctrTitle"/>
+          </p:nvPr>
+        </p:nvSpPr>
+        <p:spPr>
+          <a:xfrm>
+            <a:off x="1979712" y="2708921"/>
+            <a:ext cx="6048672" cy="2088231"/>
+          </a:xfrm>
+        </p:spPr>
+        <p:txBody>
+          <a:bodyPr>
+            <a:noAutofit/>
+          </a:bodyPr>
+          <a:lstStyle/>
+          <a:p>
+            <a:pPr algn="l"/>
+            <a:r>
+              <a:rPr lang="en-US" altLang="ko-KR" sz="3200" dirty="0" smtClean="0">
+                <a:latin typeface="Consolas" pitchFamily="49" charset="0"/>
+                <a:ea typeface="배달의민족 주아" pitchFamily="18" charset="-127"/>
+                <a:cs typeface="Consolas" pitchFamily="49" charset="0"/>
+              </a:rPr>
+              <a:t>let </a:t>
+            </a:r>
+            <a:r>
+              <a:rPr lang="en-US" altLang="ko-KR" sz="3200" dirty="0" err="1" smtClean="0">
+                <a:latin typeface="Consolas" pitchFamily="49" charset="0"/>
+                <a:ea typeface="배달의민족 주아" pitchFamily="18" charset="-127"/>
+                <a:cs typeface="Consolas" pitchFamily="49" charset="0"/>
+              </a:rPr>
+              <a:t>totalPrice</a:t>
+            </a:r>
+            <a:r>
+              <a:rPr lang="en-US" altLang="ko-KR" sz="3200" dirty="0" smtClean="0">
+                <a:latin typeface="Consolas" pitchFamily="49" charset="0"/>
+                <a:ea typeface="배달의민족 주아" pitchFamily="18" charset="-127"/>
+                <a:cs typeface="Consolas" pitchFamily="49" charset="0"/>
+              </a:rPr>
+              <a:t> = 35000;</a:t>
+            </a:r>
+            <a:br>
+              <a:rPr lang="en-US" altLang="ko-KR" sz="3200" dirty="0" smtClean="0">
+                <a:latin typeface="Consolas" pitchFamily="49" charset="0"/>
+                <a:ea typeface="배달의민족 주아" pitchFamily="18" charset="-127"/>
+                <a:cs typeface="Consolas" pitchFamily="49" charset="0"/>
+              </a:rPr>
+            </a:br>
+            <a:r>
+              <a:rPr lang="en-US" altLang="ko-KR" sz="3200" dirty="0" smtClean="0">
+                <a:latin typeface="Consolas" pitchFamily="49" charset="0"/>
+                <a:ea typeface="배달의민족 주아" pitchFamily="18" charset="-127"/>
+                <a:cs typeface="Consolas" pitchFamily="49" charset="0"/>
+              </a:rPr>
+              <a:t>let </a:t>
+            </a:r>
+            <a:r>
+              <a:rPr lang="en-US" altLang="ko-KR" sz="3200" dirty="0" err="1" smtClean="0">
+                <a:latin typeface="Consolas" pitchFamily="49" charset="0"/>
+                <a:ea typeface="배달의민족 주아" pitchFamily="18" charset="-127"/>
+                <a:cs typeface="Consolas" pitchFamily="49" charset="0"/>
+              </a:rPr>
+              <a:t>deliveryFee</a:t>
+            </a:r>
+            <a:r>
+              <a:rPr lang="en-US" altLang="ko-KR" sz="3200" dirty="0" smtClean="0">
+                <a:latin typeface="Consolas" pitchFamily="49" charset="0"/>
+                <a:ea typeface="배달의민족 주아" pitchFamily="18" charset="-127"/>
+                <a:cs typeface="Consolas" pitchFamily="49" charset="0"/>
+              </a:rPr>
+              <a:t> = 2500;</a:t>
+            </a:r>
+            <a:r>
+              <a:rPr lang="en-US" altLang="ko-KR" sz="3200" dirty="0" smtClean="0">
+                <a:solidFill>
+                  <a:schemeClr val="accent5"/>
+                </a:solidFill>
+                <a:latin typeface="Consolas" pitchFamily="49" charset="0"/>
+                <a:ea typeface="배달의민족 주아" pitchFamily="18" charset="-127"/>
+                <a:cs typeface="Consolas" pitchFamily="49" charset="0"/>
+              </a:rPr>
+              <a:t/>
+            </a:r>
+            <a:br>
+              <a:rPr lang="en-US" altLang="ko-KR" sz="3200" dirty="0" smtClean="0">
+                <a:solidFill>
+                  <a:schemeClr val="accent5"/>
+                </a:solidFill>
+                <a:latin typeface="Consolas" pitchFamily="49" charset="0"/>
+                <a:ea typeface="배달의민족 주아" pitchFamily="18" charset="-127"/>
+                <a:cs typeface="Consolas" pitchFamily="49" charset="0"/>
+              </a:rPr>
+            </a:br>
+            <a:r>
+              <a:rPr lang="en-US" altLang="ko-KR" sz="3200" dirty="0" smtClean="0">
+                <a:solidFill>
+                  <a:schemeClr val="accent5"/>
+                </a:solidFill>
+                <a:latin typeface="Consolas" pitchFamily="49" charset="0"/>
+                <a:ea typeface="배달의민족 주아" pitchFamily="18" charset="-127"/>
+                <a:cs typeface="Consolas" pitchFamily="49" charset="0"/>
+              </a:rPr>
+              <a:t/>
+            </a:r>
+            <a:br>
+              <a:rPr lang="en-US" altLang="ko-KR" sz="3200" dirty="0" smtClean="0">
+                <a:solidFill>
+                  <a:schemeClr val="accent5"/>
+                </a:solidFill>
+                <a:latin typeface="Consolas" pitchFamily="49" charset="0"/>
+                <a:ea typeface="배달의민족 주아" pitchFamily="18" charset="-127"/>
+                <a:cs typeface="Consolas" pitchFamily="49" charset="0"/>
+              </a:rPr>
+            </a:br>
+            <a:r>
+              <a:rPr lang="en-US" altLang="ko-KR" sz="3200" dirty="0" smtClean="0">
+                <a:solidFill>
+                  <a:schemeClr val="accent5"/>
+                </a:solidFill>
+                <a:latin typeface="Consolas" pitchFamily="49" charset="0"/>
+                <a:ea typeface="배달의민족 주아" pitchFamily="18" charset="-127"/>
+                <a:cs typeface="Consolas" pitchFamily="49" charset="0"/>
+              </a:rPr>
+              <a:t>if</a:t>
+            </a:r>
+            <a:r>
+              <a:rPr lang="en-US" altLang="ko-KR" sz="3200" dirty="0" smtClean="0">
+                <a:latin typeface="Consolas" pitchFamily="49" charset="0"/>
+                <a:ea typeface="배달의민족 주아" pitchFamily="18" charset="-127"/>
+                <a:cs typeface="Consolas" pitchFamily="49" charset="0"/>
+              </a:rPr>
+              <a:t>( </a:t>
+            </a:r>
+            <a:r>
+              <a:rPr lang="en-US" altLang="ko-KR" sz="3200" dirty="0" err="1" smtClean="0">
+                <a:solidFill>
+                  <a:schemeClr val="accent6">
+                    <a:lumMod val="75000"/>
+                  </a:schemeClr>
+                </a:solidFill>
+                <a:latin typeface="Consolas" pitchFamily="49" charset="0"/>
+                <a:ea typeface="배달의민족 주아" pitchFamily="18" charset="-127"/>
+                <a:cs typeface="Consolas" pitchFamily="49" charset="0"/>
+              </a:rPr>
+              <a:t>totalPrice</a:t>
+            </a:r>
+            <a:r>
+              <a:rPr lang="en-US" altLang="ko-KR" sz="3200" dirty="0" smtClean="0">
+                <a:solidFill>
+                  <a:schemeClr val="accent6">
+                    <a:lumMod val="75000"/>
+                  </a:schemeClr>
+                </a:solidFill>
+                <a:latin typeface="Consolas" pitchFamily="49" charset="0"/>
+                <a:ea typeface="배달의민족 주아" pitchFamily="18" charset="-127"/>
+                <a:cs typeface="Consolas" pitchFamily="49" charset="0"/>
+              </a:rPr>
+              <a:t> &gt;= 50000 </a:t>
+            </a:r>
+            <a:r>
+              <a:rPr lang="en-US" altLang="ko-KR" sz="3200" dirty="0" smtClean="0">
+                <a:latin typeface="Consolas" pitchFamily="49" charset="0"/>
+                <a:ea typeface="배달의민족 주아" pitchFamily="18" charset="-127"/>
+                <a:cs typeface="Consolas" pitchFamily="49" charset="0"/>
+              </a:rPr>
+              <a:t>){</a:t>
+            </a:r>
+            <a:r>
+              <a:rPr lang="en-US" altLang="ko-KR" sz="3200" dirty="0" smtClean="0">
+                <a:latin typeface="Consolas" pitchFamily="49" charset="0"/>
+                <a:ea typeface="배달의민족 주아" pitchFamily="18" charset="-127"/>
+                <a:cs typeface="Consolas" pitchFamily="49" charset="0"/>
+              </a:rPr>
+              <a:t/>
+            </a:r>
+            <a:br>
+              <a:rPr lang="en-US" altLang="ko-KR" sz="3200" dirty="0" smtClean="0">
+                <a:latin typeface="Consolas" pitchFamily="49" charset="0"/>
+                <a:ea typeface="배달의민족 주아" pitchFamily="18" charset="-127"/>
+                <a:cs typeface="Consolas" pitchFamily="49" charset="0"/>
+              </a:rPr>
+            </a:br>
+            <a:r>
+              <a:rPr lang="en-US" altLang="ko-KR" sz="3200" dirty="0" smtClean="0">
+                <a:latin typeface="Consolas" pitchFamily="49" charset="0"/>
+                <a:ea typeface="배달의민족 주아" pitchFamily="18" charset="-127"/>
+                <a:cs typeface="Consolas" pitchFamily="49" charset="0"/>
+              </a:rPr>
+              <a:t>	</a:t>
+            </a:r>
+            <a:r>
+              <a:rPr lang="en-US" altLang="ko-KR" sz="3200" dirty="0" err="1" smtClean="0">
+                <a:latin typeface="Consolas" pitchFamily="49" charset="0"/>
+                <a:ea typeface="배달의민족 주아" pitchFamily="18" charset="-127"/>
+                <a:cs typeface="Consolas" pitchFamily="49" charset="0"/>
+              </a:rPr>
+              <a:t>deliveryFee</a:t>
+            </a:r>
+            <a:r>
+              <a:rPr lang="en-US" altLang="ko-KR" sz="3200" dirty="0" smtClean="0">
+                <a:latin typeface="Consolas" pitchFamily="49" charset="0"/>
+                <a:ea typeface="배달의민족 주아" pitchFamily="18" charset="-127"/>
+                <a:cs typeface="Consolas" pitchFamily="49" charset="0"/>
+              </a:rPr>
+              <a:t> = 0;</a:t>
+            </a:r>
+            <a:r>
+              <a:rPr lang="en-US" altLang="ko-KR" sz="3200" dirty="0" smtClean="0">
+                <a:latin typeface="Consolas" pitchFamily="49" charset="0"/>
+                <a:ea typeface="배달의민족 주아" pitchFamily="18" charset="-127"/>
+                <a:cs typeface="Consolas" pitchFamily="49" charset="0"/>
+              </a:rPr>
+              <a:t/>
+            </a:r>
+            <a:br>
+              <a:rPr lang="en-US" altLang="ko-KR" sz="3200" dirty="0" smtClean="0">
+                <a:latin typeface="Consolas" pitchFamily="49" charset="0"/>
+                <a:ea typeface="배달의민족 주아" pitchFamily="18" charset="-127"/>
+                <a:cs typeface="Consolas" pitchFamily="49" charset="0"/>
+              </a:rPr>
+            </a:br>
+            <a:r>
+              <a:rPr lang="en-US" altLang="ko-KR" sz="3200" dirty="0" smtClean="0">
+                <a:latin typeface="Consolas" pitchFamily="49" charset="0"/>
+                <a:ea typeface="배달의민족 주아" pitchFamily="18" charset="-127"/>
+                <a:cs typeface="Consolas" pitchFamily="49" charset="0"/>
+              </a:rPr>
+              <a:t>}</a:t>
+            </a:r>
+            <a:r>
+              <a:rPr lang="en-US" altLang="ko-KR" sz="3200" dirty="0">
+                <a:solidFill>
+                  <a:schemeClr val="accent5"/>
+                </a:solidFill>
+                <a:latin typeface="Consolas" pitchFamily="49" charset="0"/>
+                <a:ea typeface="배달의민족 주아" pitchFamily="18" charset="-127"/>
+                <a:cs typeface="Consolas" pitchFamily="49" charset="0"/>
+              </a:rPr>
+              <a:t> </a:t>
+            </a:r>
+            <a:r>
+              <a:rPr lang="en-US" altLang="ko-KR" sz="3200" dirty="0" smtClean="0">
+                <a:solidFill>
+                  <a:schemeClr val="accent5"/>
+                </a:solidFill>
+                <a:latin typeface="Consolas" pitchFamily="49" charset="0"/>
+                <a:ea typeface="배달의민족 주아" pitchFamily="18" charset="-127"/>
+                <a:cs typeface="Consolas" pitchFamily="49" charset="0"/>
+              </a:rPr>
+              <a:t>else </a:t>
+            </a:r>
+            <a:r>
+              <a:rPr lang="en-US" altLang="ko-KR" sz="3200" dirty="0" smtClean="0">
+                <a:latin typeface="Consolas" pitchFamily="49" charset="0"/>
+                <a:ea typeface="배달의민족 주아" pitchFamily="18" charset="-127"/>
+                <a:cs typeface="Consolas" pitchFamily="49" charset="0"/>
+              </a:rPr>
+              <a:t>{</a:t>
+            </a:r>
+            <a:br>
+              <a:rPr lang="en-US" altLang="ko-KR" sz="3200" dirty="0" smtClean="0">
+                <a:latin typeface="Consolas" pitchFamily="49" charset="0"/>
+                <a:ea typeface="배달의민족 주아" pitchFamily="18" charset="-127"/>
+                <a:cs typeface="Consolas" pitchFamily="49" charset="0"/>
+              </a:rPr>
+            </a:br>
+            <a:r>
+              <a:rPr lang="en-US" altLang="ko-KR" sz="3200" dirty="0">
+                <a:latin typeface="Consolas" pitchFamily="49" charset="0"/>
+                <a:ea typeface="배달의민족 주아" pitchFamily="18" charset="-127"/>
+                <a:cs typeface="Consolas" pitchFamily="49" charset="0"/>
+              </a:rPr>
+              <a:t>	</a:t>
+            </a:r>
+            <a:r>
+              <a:rPr lang="en-US" altLang="ko-KR" sz="3200" dirty="0" err="1" smtClean="0">
+                <a:latin typeface="Consolas" pitchFamily="49" charset="0"/>
+                <a:ea typeface="배달의민족 주아" pitchFamily="18" charset="-127"/>
+                <a:cs typeface="Consolas" pitchFamily="49" charset="0"/>
+              </a:rPr>
+              <a:t>deliveryFee</a:t>
+            </a:r>
+            <a:r>
+              <a:rPr lang="en-US" altLang="ko-KR" sz="3200" dirty="0" smtClean="0">
+                <a:latin typeface="Consolas" pitchFamily="49" charset="0"/>
+                <a:ea typeface="배달의민족 주아" pitchFamily="18" charset="-127"/>
+                <a:cs typeface="Consolas" pitchFamily="49" charset="0"/>
+              </a:rPr>
+              <a:t> = 2500;</a:t>
+            </a:r>
+            <a:br>
+              <a:rPr lang="en-US" altLang="ko-KR" sz="3200" dirty="0" smtClean="0">
+                <a:latin typeface="Consolas" pitchFamily="49" charset="0"/>
+                <a:ea typeface="배달의민족 주아" pitchFamily="18" charset="-127"/>
+                <a:cs typeface="Consolas" pitchFamily="49" charset="0"/>
+              </a:rPr>
+            </a:br>
+            <a:r>
+              <a:rPr lang="en-US" altLang="ko-KR" sz="3200" dirty="0">
+                <a:latin typeface="Consolas" pitchFamily="49" charset="0"/>
+                <a:ea typeface="배달의민족 주아" pitchFamily="18" charset="-127"/>
+                <a:cs typeface="Consolas" pitchFamily="49" charset="0"/>
+              </a:rPr>
+              <a:t>}</a:t>
+            </a:r>
+            <a:r>
+              <a:rPr lang="en-US" altLang="ko-KR" sz="3200" dirty="0" smtClean="0">
+                <a:solidFill>
+                  <a:schemeClr val="accent5"/>
+                </a:solidFill>
+                <a:latin typeface="Consolas" pitchFamily="49" charset="0"/>
+                <a:ea typeface="배달의민족 주아" pitchFamily="18" charset="-127"/>
+                <a:cs typeface="Consolas" pitchFamily="49" charset="0"/>
+              </a:rPr>
+              <a:t/>
+            </a:r>
+            <a:br>
+              <a:rPr lang="en-US" altLang="ko-KR" sz="3200" dirty="0" smtClean="0">
+                <a:solidFill>
+                  <a:schemeClr val="accent5"/>
+                </a:solidFill>
+                <a:latin typeface="Consolas" pitchFamily="49" charset="0"/>
+                <a:ea typeface="배달의민족 주아" pitchFamily="18" charset="-127"/>
+                <a:cs typeface="Consolas" pitchFamily="49" charset="0"/>
+              </a:rPr>
+            </a:br>
+            <a:r>
+              <a:rPr lang="en-US" altLang="ko-KR" sz="3200" dirty="0" smtClean="0">
+                <a:latin typeface="Consolas" pitchFamily="49" charset="0"/>
+                <a:ea typeface="배달의민족 주아" pitchFamily="18" charset="-127"/>
+                <a:cs typeface="Consolas" pitchFamily="49" charset="0"/>
+              </a:rPr>
+              <a:t/>
+            </a:r>
+            <a:br>
+              <a:rPr lang="en-US" altLang="ko-KR" sz="3200" dirty="0" smtClean="0">
+                <a:latin typeface="Consolas" pitchFamily="49" charset="0"/>
+                <a:ea typeface="배달의민족 주아" pitchFamily="18" charset="-127"/>
+                <a:cs typeface="Consolas" pitchFamily="49" charset="0"/>
+              </a:rPr>
+            </a:br>
+            <a:endParaRPr lang="ko-KR" altLang="en-US" sz="3200" dirty="0">
+              <a:latin typeface="Consolas" pitchFamily="49" charset="0"/>
+              <a:ea typeface="배달의민족 주아" pitchFamily="18" charset="-127"/>
+              <a:cs typeface="Consolas" pitchFamily="49" charset="0"/>
+            </a:endParaRPr>
+          </a:p>
+        </p:txBody>
+      </p:sp>
+      <p:sp>
+        <p:nvSpPr>
+          <p:cNvPr id="3" name="TextBox 2"/>
+          <p:cNvSpPr txBox="1"/>
+          <p:nvPr/>
+        </p:nvSpPr>
+        <p:spPr>
+          <a:xfrm>
+            <a:off x="6588224" y="6165304"/>
+            <a:ext cx="1838965" cy="369332"/>
+          </a:xfrm>
+          <a:prstGeom prst="rect">
+            <a:avLst/>
+          </a:prstGeom>
+          <a:noFill/>
+        </p:spPr>
+        <p:txBody>
+          <a:bodyPr wrap="none" rtlCol="0">
+            <a:spAutoFit/>
+          </a:bodyPr>
+          <a:lstStyle/>
+          <a:p>
+            <a:r>
+              <a:rPr lang="en-US" altLang="ko-KR" dirty="0" smtClean="0">
+                <a:solidFill>
+                  <a:schemeClr val="accent5"/>
+                </a:solidFill>
+                <a:latin typeface="배달의민족 도현" pitchFamily="50" charset="-127"/>
+                <a:ea typeface="배달의민족 도현" pitchFamily="50" charset="-127"/>
+              </a:rPr>
+              <a:t>S</a:t>
+            </a:r>
+            <a:r>
+              <a:rPr lang="en-US" altLang="ko-KR" dirty="0" smtClean="0">
+                <a:latin typeface="배달의민족 도현" pitchFamily="50" charset="-127"/>
+                <a:ea typeface="배달의민족 도현" pitchFamily="50" charset="-127"/>
+              </a:rPr>
+              <a:t>TART</a:t>
+            </a:r>
+            <a:r>
+              <a:rPr lang="en-US" altLang="ko-KR" dirty="0" smtClean="0">
+                <a:solidFill>
+                  <a:schemeClr val="accent5"/>
+                </a:solidFill>
+                <a:latin typeface="배달의민족 도현" pitchFamily="50" charset="-127"/>
+                <a:ea typeface="배달의민족 도현" pitchFamily="50" charset="-127"/>
+              </a:rPr>
+              <a:t>C</a:t>
+            </a:r>
+            <a:r>
+              <a:rPr lang="en-US" altLang="ko-KR" dirty="0" smtClean="0">
+                <a:latin typeface="배달의민족 도현" pitchFamily="50" charset="-127"/>
+                <a:ea typeface="배달의민족 도현" pitchFamily="50" charset="-127"/>
+              </a:rPr>
+              <a:t>ODING</a:t>
+            </a:r>
+            <a:endParaRPr lang="ko-KR" altLang="en-US" dirty="0">
+              <a:latin typeface="배달의민족 도현" pitchFamily="50" charset="-127"/>
+              <a:ea typeface="배달의민족 도현" pitchFamily="50" charset="-127"/>
+            </a:endParaRPr>
+          </a:p>
+        </p:txBody>
+      </p:sp>
+    </p:spTree>
+    <p:extLst>
+      <p:ext uri="{BB962C8B-B14F-4D97-AF65-F5344CB8AC3E}">
+        <p14:creationId xmlns:p14="http://schemas.microsoft.com/office/powerpoint/2010/main" val="3916928731"/>
+      </p:ext>
+    </p:extLst>
+  </p:cSld>
+  <p:clrMapOvr>
+    <a:masterClrMapping/>
+  </p:clrMapOvr>
+  <p:timing>
+    <p:tnLst>
+      <p:par>
+        <p:cTn id="1" dur="indefinite" restart="never" nodeType="tmRoot"/>
+      </p:par>
+    </p:tnLst>
+  </p:timing>
+</p:sld>
+</file>
+
+<file path=ppt/slides/slide11.xml><?xml version="1.0" encoding="utf-8"?>
+<p:sld xmlns:a="http://schemas.openxmlformats.org/drawingml/2006/main" xmlns:r="http://schemas.openxmlformats.org/officeDocument/2006/relationships" xmlns:p="http://schemas.openxmlformats.org/presentationml/2006/main">
+  <p:cSld>
+    <p:spTree>
+      <p:nvGrpSpPr>
+        <p:cNvPr id="1" name=""/>
+        <p:cNvGrpSpPr/>
+        <p:nvPr/>
+      </p:nvGrpSpPr>
+      <p:grpSpPr>
+        <a:xfrm>
+          <a:off x="0" y="0"/>
+          <a:ext cx="0" cy="0"/>
+          <a:chOff x="0" y="0"/>
+          <a:chExt cx="0" cy="0"/>
+        </a:xfrm>
+      </p:grpSpPr>
+      <p:sp>
+        <p:nvSpPr>
+          <p:cNvPr id="2" name="제목 1"/>
+          <p:cNvSpPr>
+            <a:spLocks noGrp="1"/>
+          </p:cNvSpPr>
+          <p:nvPr>
+            <p:ph type="ctrTitle"/>
+          </p:nvPr>
+        </p:nvSpPr>
+        <p:spPr>
+          <a:xfrm>
+            <a:off x="2915816" y="2564904"/>
+            <a:ext cx="3672408" cy="1872207"/>
+          </a:xfrm>
+        </p:spPr>
+        <p:txBody>
+          <a:bodyPr>
+            <a:normAutofit fontScale="90000"/>
+          </a:bodyPr>
+          <a:lstStyle/>
+          <a:p>
+            <a:pPr algn="l"/>
+            <a:r>
+              <a:rPr lang="en-US" altLang="ko-KR" dirty="0" smtClean="0">
+                <a:solidFill>
+                  <a:schemeClr val="accent5"/>
+                </a:solidFill>
+                <a:latin typeface="배달의민족 주아" pitchFamily="18" charset="-127"/>
+                <a:ea typeface="배달의민족 주아" pitchFamily="18" charset="-127"/>
+              </a:rPr>
+              <a:t>if</a:t>
+            </a:r>
+            <a:r>
+              <a:rPr lang="en-US" altLang="ko-KR" dirty="0" smtClean="0">
+                <a:latin typeface="배달의민족 주아" pitchFamily="18" charset="-127"/>
+                <a:ea typeface="배달의민족 주아" pitchFamily="18" charset="-127"/>
+              </a:rPr>
+              <a:t>(</a:t>
+            </a:r>
+            <a:r>
+              <a:rPr lang="ko-KR" altLang="en-US" dirty="0" smtClean="0">
+                <a:solidFill>
+                  <a:schemeClr val="accent6"/>
+                </a:solidFill>
+                <a:latin typeface="배달의민족 주아" pitchFamily="18" charset="-127"/>
+                <a:ea typeface="배달의민족 주아" pitchFamily="18" charset="-127"/>
+              </a:rPr>
+              <a:t>조건</a:t>
+            </a:r>
+            <a:r>
+              <a:rPr lang="en-US" altLang="ko-KR" dirty="0" smtClean="0">
+                <a:solidFill>
+                  <a:schemeClr val="accent6"/>
+                </a:solidFill>
+                <a:latin typeface="배달의민족 주아" pitchFamily="18" charset="-127"/>
+                <a:ea typeface="배달의민족 주아" pitchFamily="18" charset="-127"/>
+              </a:rPr>
+              <a:t>1</a:t>
+            </a:r>
+            <a:r>
+              <a:rPr lang="en-US" altLang="ko-KR" dirty="0" smtClean="0">
+                <a:latin typeface="배달의민족 주아" pitchFamily="18" charset="-127"/>
+                <a:ea typeface="배달의민족 주아" pitchFamily="18" charset="-127"/>
+              </a:rPr>
+              <a:t>){</a:t>
+            </a:r>
+            <a:br>
+              <a:rPr lang="en-US" altLang="ko-KR" dirty="0" smtClean="0">
+                <a:latin typeface="배달의민족 주아" pitchFamily="18" charset="-127"/>
+                <a:ea typeface="배달의민족 주아" pitchFamily="18" charset="-127"/>
+              </a:rPr>
+            </a:br>
+            <a:r>
+              <a:rPr lang="en-US" altLang="ko-KR" dirty="0">
+                <a:latin typeface="배달의민족 주아" pitchFamily="18" charset="-127"/>
+                <a:ea typeface="배달의민족 주아" pitchFamily="18" charset="-127"/>
+              </a:rPr>
+              <a:t>	</a:t>
+            </a:r>
+            <a:r>
+              <a:rPr lang="ko-KR" altLang="en-US" dirty="0" smtClean="0">
+                <a:latin typeface="배달의민족 주아" pitchFamily="18" charset="-127"/>
+                <a:ea typeface="배달의민족 주아" pitchFamily="18" charset="-127"/>
+              </a:rPr>
+              <a:t>명령블록</a:t>
+            </a:r>
+            <a:r>
+              <a:rPr lang="en-US" altLang="ko-KR" dirty="0" smtClean="0">
+                <a:latin typeface="배달의민족 주아" pitchFamily="18" charset="-127"/>
+                <a:ea typeface="배달의민족 주아" pitchFamily="18" charset="-127"/>
+              </a:rPr>
+              <a:t/>
+            </a:r>
+            <a:br>
+              <a:rPr lang="en-US" altLang="ko-KR" dirty="0" smtClean="0">
+                <a:latin typeface="배달의민족 주아" pitchFamily="18" charset="-127"/>
+                <a:ea typeface="배달의민족 주아" pitchFamily="18" charset="-127"/>
+              </a:rPr>
+            </a:br>
+            <a:r>
+              <a:rPr lang="en-US" altLang="ko-KR" dirty="0" smtClean="0">
+                <a:latin typeface="배달의민족 주아" pitchFamily="18" charset="-127"/>
+                <a:ea typeface="배달의민족 주아" pitchFamily="18" charset="-127"/>
+              </a:rPr>
+              <a:t>}</a:t>
+            </a:r>
+            <a:r>
+              <a:rPr lang="en-US" altLang="ko-KR" dirty="0" smtClean="0">
+                <a:solidFill>
+                  <a:schemeClr val="accent5"/>
+                </a:solidFill>
+                <a:latin typeface="배달의민족 주아" pitchFamily="18" charset="-127"/>
+                <a:ea typeface="배달의민족 주아" pitchFamily="18" charset="-127"/>
+              </a:rPr>
+              <a:t>else if</a:t>
+            </a:r>
+            <a:r>
+              <a:rPr lang="en-US" altLang="ko-KR" dirty="0" smtClean="0">
+                <a:latin typeface="배달의민족 주아" pitchFamily="18" charset="-127"/>
+                <a:ea typeface="배달의민족 주아" pitchFamily="18" charset="-127"/>
+              </a:rPr>
+              <a:t> (</a:t>
+            </a:r>
+            <a:r>
+              <a:rPr lang="ko-KR" altLang="en-US" dirty="0" smtClean="0">
+                <a:solidFill>
+                  <a:schemeClr val="accent6"/>
+                </a:solidFill>
+                <a:latin typeface="배달의민족 주아" pitchFamily="18" charset="-127"/>
+                <a:ea typeface="배달의민족 주아" pitchFamily="18" charset="-127"/>
+              </a:rPr>
+              <a:t>조건</a:t>
+            </a:r>
+            <a:r>
+              <a:rPr lang="en-US" altLang="ko-KR" dirty="0" smtClean="0">
+                <a:solidFill>
+                  <a:schemeClr val="accent6"/>
+                </a:solidFill>
+                <a:latin typeface="배달의민족 주아" pitchFamily="18" charset="-127"/>
+                <a:ea typeface="배달의민족 주아" pitchFamily="18" charset="-127"/>
+              </a:rPr>
+              <a:t>2</a:t>
+            </a:r>
+            <a:r>
+              <a:rPr lang="en-US" altLang="ko-KR" dirty="0" smtClean="0">
+                <a:latin typeface="배달의민족 주아" pitchFamily="18" charset="-127"/>
+                <a:ea typeface="배달의민족 주아" pitchFamily="18" charset="-127"/>
+              </a:rPr>
+              <a:t>){</a:t>
+            </a:r>
+            <a:br>
+              <a:rPr lang="en-US" altLang="ko-KR" dirty="0" smtClean="0">
+                <a:latin typeface="배달의민족 주아" pitchFamily="18" charset="-127"/>
+                <a:ea typeface="배달의민족 주아" pitchFamily="18" charset="-127"/>
+              </a:rPr>
+            </a:br>
+            <a:r>
+              <a:rPr lang="en-US" altLang="ko-KR" dirty="0">
+                <a:latin typeface="배달의민족 주아" pitchFamily="18" charset="-127"/>
+                <a:ea typeface="배달의민족 주아" pitchFamily="18" charset="-127"/>
+              </a:rPr>
+              <a:t>	</a:t>
+            </a:r>
+            <a:r>
+              <a:rPr lang="ko-KR" altLang="en-US" dirty="0" smtClean="0">
+                <a:latin typeface="배달의민족 주아" pitchFamily="18" charset="-127"/>
+                <a:ea typeface="배달의민족 주아" pitchFamily="18" charset="-127"/>
+              </a:rPr>
+              <a:t>명령블록</a:t>
+            </a:r>
+            <a:r>
+              <a:rPr lang="en-US" altLang="ko-KR" dirty="0" smtClean="0">
+                <a:latin typeface="배달의민족 주아" pitchFamily="18" charset="-127"/>
+                <a:ea typeface="배달의민족 주아" pitchFamily="18" charset="-127"/>
+              </a:rPr>
+              <a:t/>
+            </a:r>
+            <a:br>
+              <a:rPr lang="en-US" altLang="ko-KR" dirty="0" smtClean="0">
+                <a:latin typeface="배달의민족 주아" pitchFamily="18" charset="-127"/>
+                <a:ea typeface="배달의민족 주아" pitchFamily="18" charset="-127"/>
+              </a:rPr>
+            </a:br>
+            <a:r>
+              <a:rPr lang="en-US" altLang="ko-KR" dirty="0" smtClean="0">
+                <a:latin typeface="배달의민족 주아" pitchFamily="18" charset="-127"/>
+                <a:ea typeface="배달의민족 주아" pitchFamily="18" charset="-127"/>
+              </a:rPr>
+              <a:t>}</a:t>
+            </a:r>
+            <a:r>
+              <a:rPr lang="en-US" altLang="ko-KR" dirty="0" smtClean="0">
+                <a:solidFill>
+                  <a:schemeClr val="accent5"/>
+                </a:solidFill>
+                <a:latin typeface="배달의민족 주아" pitchFamily="18" charset="-127"/>
+                <a:ea typeface="배달의민족 주아" pitchFamily="18" charset="-127"/>
+              </a:rPr>
+              <a:t>else</a:t>
+            </a:r>
+            <a:r>
+              <a:rPr lang="en-US" altLang="ko-KR" dirty="0" smtClean="0">
+                <a:latin typeface="배달의민족 주아" pitchFamily="18" charset="-127"/>
+                <a:ea typeface="배달의민족 주아" pitchFamily="18" charset="-127"/>
+              </a:rPr>
+              <a:t>{</a:t>
+            </a:r>
+            <a:br>
+              <a:rPr lang="en-US" altLang="ko-KR" dirty="0" smtClean="0">
+                <a:latin typeface="배달의민족 주아" pitchFamily="18" charset="-127"/>
+                <a:ea typeface="배달의민족 주아" pitchFamily="18" charset="-127"/>
+              </a:rPr>
+            </a:br>
+            <a:r>
+              <a:rPr lang="en-US" altLang="ko-KR" dirty="0" smtClean="0">
+                <a:latin typeface="배달의민족 주아" pitchFamily="18" charset="-127"/>
+                <a:ea typeface="배달의민족 주아" pitchFamily="18" charset="-127"/>
+              </a:rPr>
+              <a:t>	</a:t>
+            </a:r>
+            <a:r>
+              <a:rPr lang="ko-KR" altLang="en-US" dirty="0" smtClean="0">
+                <a:latin typeface="배달의민족 주아" pitchFamily="18" charset="-127"/>
+                <a:ea typeface="배달의민족 주아" pitchFamily="18" charset="-127"/>
+              </a:rPr>
+              <a:t>명령블록</a:t>
+            </a:r>
+            <a:r>
+              <a:rPr lang="en-US" altLang="ko-KR" dirty="0" smtClean="0">
+                <a:latin typeface="배달의민족 주아" pitchFamily="18" charset="-127"/>
+                <a:ea typeface="배달의민족 주아" pitchFamily="18" charset="-127"/>
+              </a:rPr>
+              <a:t/>
+            </a:r>
+            <a:br>
+              <a:rPr lang="en-US" altLang="ko-KR" dirty="0" smtClean="0">
+                <a:latin typeface="배달의민족 주아" pitchFamily="18" charset="-127"/>
+                <a:ea typeface="배달의민족 주아" pitchFamily="18" charset="-127"/>
+              </a:rPr>
+            </a:br>
+            <a:r>
+              <a:rPr lang="en-US" altLang="ko-KR" dirty="0">
+                <a:latin typeface="배달의민족 주아" pitchFamily="18" charset="-127"/>
+                <a:ea typeface="배달의민족 주아" pitchFamily="18" charset="-127"/>
+              </a:rPr>
+              <a:t>}</a:t>
+            </a:r>
+            <a:r>
+              <a:rPr lang="en-US" altLang="ko-KR" dirty="0" smtClean="0">
+                <a:latin typeface="배달의민족 주아" pitchFamily="18" charset="-127"/>
+                <a:ea typeface="배달의민족 주아" pitchFamily="18" charset="-127"/>
+              </a:rPr>
+              <a:t/>
+            </a:r>
+            <a:br>
+              <a:rPr lang="en-US" altLang="ko-KR" dirty="0" smtClean="0">
+                <a:latin typeface="배달의민족 주아" pitchFamily="18" charset="-127"/>
+                <a:ea typeface="배달의민족 주아" pitchFamily="18" charset="-127"/>
+              </a:rPr>
+            </a:br>
+            <a:endParaRPr lang="ko-KR" altLang="en-US" dirty="0">
+              <a:latin typeface="배달의민족 주아" pitchFamily="18" charset="-127"/>
+              <a:ea typeface="배달의민족 주아" pitchFamily="18" charset="-127"/>
+            </a:endParaRPr>
+          </a:p>
+        </p:txBody>
+      </p:sp>
+      <p:sp>
+        <p:nvSpPr>
+          <p:cNvPr id="3" name="TextBox 2"/>
+          <p:cNvSpPr txBox="1"/>
+          <p:nvPr/>
+        </p:nvSpPr>
+        <p:spPr>
+          <a:xfrm>
+            <a:off x="6588224" y="6165304"/>
+            <a:ext cx="1838965" cy="369332"/>
+          </a:xfrm>
+          <a:prstGeom prst="rect">
+            <a:avLst/>
+          </a:prstGeom>
+          <a:noFill/>
+        </p:spPr>
+        <p:txBody>
+          <a:bodyPr wrap="none" rtlCol="0">
+            <a:spAutoFit/>
+          </a:bodyPr>
+          <a:lstStyle/>
+          <a:p>
+            <a:r>
+              <a:rPr lang="en-US" altLang="ko-KR" dirty="0" smtClean="0">
+                <a:solidFill>
+                  <a:schemeClr val="accent5"/>
+                </a:solidFill>
+                <a:latin typeface="배달의민족 도현" pitchFamily="50" charset="-127"/>
+                <a:ea typeface="배달의민족 도현" pitchFamily="50" charset="-127"/>
+              </a:rPr>
+              <a:t>S</a:t>
+            </a:r>
+            <a:r>
+              <a:rPr lang="en-US" altLang="ko-KR" dirty="0" smtClean="0">
+                <a:latin typeface="배달의민족 도현" pitchFamily="50" charset="-127"/>
+                <a:ea typeface="배달의민족 도현" pitchFamily="50" charset="-127"/>
+              </a:rPr>
+              <a:t>TART</a:t>
+            </a:r>
+            <a:r>
+              <a:rPr lang="en-US" altLang="ko-KR" dirty="0" smtClean="0">
+                <a:solidFill>
+                  <a:schemeClr val="accent5"/>
+                </a:solidFill>
+                <a:latin typeface="배달의민족 도현" pitchFamily="50" charset="-127"/>
+                <a:ea typeface="배달의민족 도현" pitchFamily="50" charset="-127"/>
+              </a:rPr>
+              <a:t>C</a:t>
+            </a:r>
+            <a:r>
+              <a:rPr lang="en-US" altLang="ko-KR" dirty="0" smtClean="0">
+                <a:latin typeface="배달의민족 도현" pitchFamily="50" charset="-127"/>
+                <a:ea typeface="배달의민족 도현" pitchFamily="50" charset="-127"/>
+              </a:rPr>
+              <a:t>ODING</a:t>
+            </a:r>
+            <a:endParaRPr lang="ko-KR" altLang="en-US" dirty="0">
+              <a:latin typeface="배달의민족 도현" pitchFamily="50" charset="-127"/>
+              <a:ea typeface="배달의민족 도현" pitchFamily="50" charset="-127"/>
+            </a:endParaRPr>
+          </a:p>
+        </p:txBody>
+      </p:sp>
+    </p:spTree>
+    <p:extLst>
+      <p:ext uri="{BB962C8B-B14F-4D97-AF65-F5344CB8AC3E}">
+        <p14:creationId xmlns:p14="http://schemas.microsoft.com/office/powerpoint/2010/main" val="2610206108"/>
+      </p:ext>
+    </p:extLst>
+  </p:cSld>
+  <p:clrMapOvr>
+    <a:masterClrMapping/>
+  </p:clrMapOvr>
+  <p:timing>
+    <p:tnLst>
+      <p:par>
+        <p:cTn id="1" dur="indefinite" restart="never" nodeType="tmRoot"/>
+      </p:par>
+    </p:tnLst>
+  </p:timing>
+</p:sld>
+</file>
+
+<file path=ppt/slides/slide12.xml><?xml version="1.0" encoding="utf-8"?>
+<p:sld xmlns:a="http://schemas.openxmlformats.org/drawingml/2006/main" xmlns:r="http://schemas.openxmlformats.org/officeDocument/2006/relationships" xmlns:p="http://schemas.openxmlformats.org/presentationml/2006/main">
+  <p:cSld>
     <p:spTree>
       <p:nvGrpSpPr>
         <p:cNvPr id="1" name=""/>
@@ -3781,7 +4618,579 @@
 </p:sld>
 </file>
 
-<file path=ppt/slides/slide11.xml><?xml version="1.0" encoding="utf-8"?>
+<file path=ppt/slides/slide13.xml><?xml version="1.0" encoding="utf-8"?>
+<p:sld xmlns:a="http://schemas.openxmlformats.org/drawingml/2006/main" xmlns:r="http://schemas.openxmlformats.org/officeDocument/2006/relationships" xmlns:p="http://schemas.openxmlformats.org/presentationml/2006/main">
+  <p:cSld>
+    <p:bg>
+      <p:bgPr>
+        <a:solidFill>
+          <a:schemeClr val="accent3">
+            <a:lumMod val="75000"/>
+            <a:alpha val="50000"/>
+          </a:schemeClr>
+        </a:solidFill>
+        <a:effectLst/>
+      </p:bgPr>
+    </p:bg>
+    <p:spTree>
+      <p:nvGrpSpPr>
+        <p:cNvPr id="1" name=""/>
+        <p:cNvGrpSpPr/>
+        <p:nvPr/>
+      </p:nvGrpSpPr>
+      <p:grpSpPr>
+        <a:xfrm>
+          <a:off x="0" y="0"/>
+          <a:ext cx="0" cy="0"/>
+          <a:chOff x="0" y="0"/>
+          <a:chExt cx="0" cy="0"/>
+        </a:xfrm>
+      </p:grpSpPr>
+      <p:sp>
+        <p:nvSpPr>
+          <p:cNvPr id="2" name="제목 1"/>
+          <p:cNvSpPr>
+            <a:spLocks noGrp="1"/>
+          </p:cNvSpPr>
+          <p:nvPr>
+            <p:ph type="ctrTitle"/>
+          </p:nvPr>
+        </p:nvSpPr>
+        <p:spPr>
+          <a:xfrm>
+            <a:off x="1187624" y="2636913"/>
+            <a:ext cx="6840760" cy="2088231"/>
+          </a:xfrm>
+        </p:spPr>
+        <p:txBody>
+          <a:bodyPr>
+            <a:noAutofit/>
+          </a:bodyPr>
+          <a:lstStyle/>
+          <a:p>
+            <a:pPr algn="l"/>
+            <a:r>
+              <a:rPr lang="en-US" altLang="ko-KR" sz="2800" dirty="0" smtClean="0">
+                <a:latin typeface="Consolas" pitchFamily="49" charset="0"/>
+                <a:ea typeface="배달의민족 주아" pitchFamily="18" charset="-127"/>
+                <a:cs typeface="Consolas" pitchFamily="49" charset="0"/>
+              </a:rPr>
+              <a:t>let </a:t>
+            </a:r>
+            <a:r>
+              <a:rPr lang="en-US" altLang="ko-KR" sz="2800" dirty="0" err="1" smtClean="0">
+                <a:latin typeface="Consolas" pitchFamily="49" charset="0"/>
+                <a:ea typeface="배달의민족 주아" pitchFamily="18" charset="-127"/>
+                <a:cs typeface="Consolas" pitchFamily="49" charset="0"/>
+              </a:rPr>
+              <a:t>totalPrice</a:t>
+            </a:r>
+            <a:r>
+              <a:rPr lang="en-US" altLang="ko-KR" sz="2800" dirty="0" smtClean="0">
+                <a:latin typeface="Consolas" pitchFamily="49" charset="0"/>
+                <a:ea typeface="배달의민족 주아" pitchFamily="18" charset="-127"/>
+                <a:cs typeface="Consolas" pitchFamily="49" charset="0"/>
+              </a:rPr>
+              <a:t> = 85000;</a:t>
+            </a:r>
+            <a:br>
+              <a:rPr lang="en-US" altLang="ko-KR" sz="2800" dirty="0" smtClean="0">
+                <a:latin typeface="Consolas" pitchFamily="49" charset="0"/>
+                <a:ea typeface="배달의민족 주아" pitchFamily="18" charset="-127"/>
+                <a:cs typeface="Consolas" pitchFamily="49" charset="0"/>
+              </a:rPr>
+            </a:br>
+            <a:r>
+              <a:rPr lang="en-US" altLang="ko-KR" sz="2800" dirty="0" smtClean="0">
+                <a:solidFill>
+                  <a:schemeClr val="accent5"/>
+                </a:solidFill>
+                <a:latin typeface="Consolas" pitchFamily="49" charset="0"/>
+                <a:ea typeface="배달의민족 주아" pitchFamily="18" charset="-127"/>
+                <a:cs typeface="Consolas" pitchFamily="49" charset="0"/>
+              </a:rPr>
+              <a:t/>
+            </a:r>
+            <a:br>
+              <a:rPr lang="en-US" altLang="ko-KR" sz="2800" dirty="0" smtClean="0">
+                <a:solidFill>
+                  <a:schemeClr val="accent5"/>
+                </a:solidFill>
+                <a:latin typeface="Consolas" pitchFamily="49" charset="0"/>
+                <a:ea typeface="배달의민족 주아" pitchFamily="18" charset="-127"/>
+                <a:cs typeface="Consolas" pitchFamily="49" charset="0"/>
+              </a:rPr>
+            </a:br>
+            <a:r>
+              <a:rPr lang="en-US" altLang="ko-KR" sz="2800" dirty="0" smtClean="0">
+                <a:solidFill>
+                  <a:schemeClr val="accent5"/>
+                </a:solidFill>
+                <a:latin typeface="Consolas" pitchFamily="49" charset="0"/>
+                <a:ea typeface="배달의민족 주아" pitchFamily="18" charset="-127"/>
+                <a:cs typeface="Consolas" pitchFamily="49" charset="0"/>
+              </a:rPr>
+              <a:t>if </a:t>
+            </a:r>
+            <a:r>
+              <a:rPr lang="en-US" altLang="ko-KR" sz="2800" dirty="0" smtClean="0">
+                <a:latin typeface="Consolas" pitchFamily="49" charset="0"/>
+                <a:ea typeface="배달의민족 주아" pitchFamily="18" charset="-127"/>
+                <a:cs typeface="Consolas" pitchFamily="49" charset="0"/>
+              </a:rPr>
+              <a:t>(</a:t>
+            </a:r>
+            <a:r>
+              <a:rPr lang="en-US" altLang="ko-KR" sz="2800" dirty="0" err="1" smtClean="0">
+                <a:solidFill>
+                  <a:schemeClr val="accent6">
+                    <a:lumMod val="75000"/>
+                  </a:schemeClr>
+                </a:solidFill>
+                <a:latin typeface="Consolas" pitchFamily="49" charset="0"/>
+                <a:ea typeface="배달의민족 주아" pitchFamily="18" charset="-127"/>
+                <a:cs typeface="Consolas" pitchFamily="49" charset="0"/>
+              </a:rPr>
+              <a:t>totalPrice</a:t>
+            </a:r>
+            <a:r>
+              <a:rPr lang="en-US" altLang="ko-KR" sz="2800" dirty="0" smtClean="0">
+                <a:solidFill>
+                  <a:schemeClr val="accent6">
+                    <a:lumMod val="75000"/>
+                  </a:schemeClr>
+                </a:solidFill>
+                <a:latin typeface="Consolas" pitchFamily="49" charset="0"/>
+                <a:ea typeface="배달의민족 주아" pitchFamily="18" charset="-127"/>
+                <a:cs typeface="Consolas" pitchFamily="49" charset="0"/>
+              </a:rPr>
+              <a:t> &gt;= 150000</a:t>
+            </a:r>
+            <a:r>
+              <a:rPr lang="en-US" altLang="ko-KR" sz="2800" dirty="0" smtClean="0">
+                <a:latin typeface="Consolas" pitchFamily="49" charset="0"/>
+                <a:ea typeface="배달의민족 주아" pitchFamily="18" charset="-127"/>
+                <a:cs typeface="Consolas" pitchFamily="49" charset="0"/>
+              </a:rPr>
+              <a:t>) {</a:t>
+            </a:r>
+            <a:r>
+              <a:rPr lang="en-US" altLang="ko-KR" sz="2800" dirty="0" smtClean="0">
+                <a:latin typeface="Consolas" pitchFamily="49" charset="0"/>
+                <a:ea typeface="배달의민족 주아" pitchFamily="18" charset="-127"/>
+                <a:cs typeface="Consolas" pitchFamily="49" charset="0"/>
+              </a:rPr>
+              <a:t/>
+            </a:r>
+            <a:br>
+              <a:rPr lang="en-US" altLang="ko-KR" sz="2800" dirty="0" smtClean="0">
+                <a:latin typeface="Consolas" pitchFamily="49" charset="0"/>
+                <a:ea typeface="배달의민족 주아" pitchFamily="18" charset="-127"/>
+                <a:cs typeface="Consolas" pitchFamily="49" charset="0"/>
+              </a:rPr>
+            </a:br>
+            <a:r>
+              <a:rPr lang="en-US" altLang="ko-KR" sz="2800" dirty="0" smtClean="0">
+                <a:latin typeface="Consolas" pitchFamily="49" charset="0"/>
+                <a:ea typeface="배달의민족 주아" pitchFamily="18" charset="-127"/>
+                <a:cs typeface="Consolas" pitchFamily="49" charset="0"/>
+              </a:rPr>
+              <a:t>	</a:t>
+            </a:r>
+            <a:r>
+              <a:rPr lang="en-US" altLang="ko-KR" sz="2800" dirty="0" err="1" smtClean="0">
+                <a:latin typeface="Consolas" pitchFamily="49" charset="0"/>
+                <a:ea typeface="배달의민족 주아" pitchFamily="18" charset="-127"/>
+                <a:cs typeface="Consolas" pitchFamily="49" charset="0"/>
+              </a:rPr>
+              <a:t>totalPrice</a:t>
+            </a:r>
+            <a:r>
+              <a:rPr lang="en-US" altLang="ko-KR" sz="2800" dirty="0" smtClean="0">
+                <a:latin typeface="Consolas" pitchFamily="49" charset="0"/>
+                <a:ea typeface="배달의민족 주아" pitchFamily="18" charset="-127"/>
+                <a:cs typeface="Consolas" pitchFamily="49" charset="0"/>
+              </a:rPr>
+              <a:t> = </a:t>
+            </a:r>
+            <a:r>
+              <a:rPr lang="en-US" altLang="ko-KR" sz="2800" dirty="0" err="1" smtClean="0">
+                <a:latin typeface="Consolas" pitchFamily="49" charset="0"/>
+                <a:ea typeface="배달의민족 주아" pitchFamily="18" charset="-127"/>
+                <a:cs typeface="Consolas" pitchFamily="49" charset="0"/>
+              </a:rPr>
+              <a:t>totalPrice</a:t>
+            </a:r>
+            <a:r>
+              <a:rPr lang="en-US" altLang="ko-KR" sz="2800" dirty="0" smtClean="0">
+                <a:latin typeface="Consolas" pitchFamily="49" charset="0"/>
+                <a:ea typeface="배달의민족 주아" pitchFamily="18" charset="-127"/>
+                <a:cs typeface="Consolas" pitchFamily="49" charset="0"/>
+              </a:rPr>
+              <a:t> * 0.7;</a:t>
+            </a:r>
+            <a:br>
+              <a:rPr lang="en-US" altLang="ko-KR" sz="2800" dirty="0" smtClean="0">
+                <a:latin typeface="Consolas" pitchFamily="49" charset="0"/>
+                <a:ea typeface="배달의민족 주아" pitchFamily="18" charset="-127"/>
+                <a:cs typeface="Consolas" pitchFamily="49" charset="0"/>
+              </a:rPr>
+            </a:br>
+            <a:r>
+              <a:rPr lang="en-US" altLang="ko-KR" sz="2800" dirty="0" smtClean="0">
+                <a:latin typeface="Consolas" pitchFamily="49" charset="0"/>
+                <a:ea typeface="배달의민족 주아" pitchFamily="18" charset="-127"/>
+                <a:cs typeface="Consolas" pitchFamily="49" charset="0"/>
+              </a:rPr>
+              <a:t>}</a:t>
+            </a:r>
+            <a:r>
+              <a:rPr lang="en-US" altLang="ko-KR" sz="2800" dirty="0" smtClean="0">
+                <a:solidFill>
+                  <a:schemeClr val="accent5"/>
+                </a:solidFill>
+                <a:latin typeface="Consolas" pitchFamily="49" charset="0"/>
+                <a:ea typeface="배달의민족 주아" pitchFamily="18" charset="-127"/>
+                <a:cs typeface="Consolas" pitchFamily="49" charset="0"/>
+              </a:rPr>
+              <a:t> else if </a:t>
+            </a:r>
+            <a:r>
+              <a:rPr lang="en-US" altLang="ko-KR" sz="2800" dirty="0">
+                <a:latin typeface="Consolas" pitchFamily="49" charset="0"/>
+                <a:ea typeface="배달의민족 주아" pitchFamily="18" charset="-127"/>
+                <a:cs typeface="Consolas" pitchFamily="49" charset="0"/>
+              </a:rPr>
+              <a:t>(</a:t>
+            </a:r>
+            <a:r>
+              <a:rPr lang="en-US" altLang="ko-KR" sz="2800" dirty="0" err="1">
+                <a:solidFill>
+                  <a:schemeClr val="accent6">
+                    <a:lumMod val="75000"/>
+                  </a:schemeClr>
+                </a:solidFill>
+                <a:latin typeface="Consolas" pitchFamily="49" charset="0"/>
+                <a:ea typeface="배달의민족 주아" pitchFamily="18" charset="-127"/>
+                <a:cs typeface="Consolas" pitchFamily="49" charset="0"/>
+              </a:rPr>
+              <a:t>totalPrice</a:t>
+            </a:r>
+            <a:r>
+              <a:rPr lang="en-US" altLang="ko-KR" sz="2800" dirty="0">
+                <a:solidFill>
+                  <a:schemeClr val="accent6">
+                    <a:lumMod val="75000"/>
+                  </a:schemeClr>
+                </a:solidFill>
+                <a:latin typeface="Consolas" pitchFamily="49" charset="0"/>
+                <a:ea typeface="배달의민족 주아" pitchFamily="18" charset="-127"/>
+                <a:cs typeface="Consolas" pitchFamily="49" charset="0"/>
+              </a:rPr>
+              <a:t> &gt;= </a:t>
+            </a:r>
+            <a:r>
+              <a:rPr lang="en-US" altLang="ko-KR" sz="2800" dirty="0" smtClean="0">
+                <a:solidFill>
+                  <a:schemeClr val="accent6">
+                    <a:lumMod val="75000"/>
+                  </a:schemeClr>
+                </a:solidFill>
+                <a:latin typeface="Consolas" pitchFamily="49" charset="0"/>
+                <a:ea typeface="배달의민족 주아" pitchFamily="18" charset="-127"/>
+                <a:cs typeface="Consolas" pitchFamily="49" charset="0"/>
+              </a:rPr>
+              <a:t>70000</a:t>
+            </a:r>
+            <a:r>
+              <a:rPr lang="en-US" altLang="ko-KR" sz="2800" dirty="0">
+                <a:latin typeface="Consolas" pitchFamily="49" charset="0"/>
+                <a:ea typeface="배달의민족 주아" pitchFamily="18" charset="-127"/>
+                <a:cs typeface="Consolas" pitchFamily="49" charset="0"/>
+              </a:rPr>
+              <a:t>) </a:t>
+            </a:r>
+            <a:r>
+              <a:rPr lang="en-US" altLang="ko-KR" sz="2800" dirty="0" smtClean="0">
+                <a:latin typeface="Consolas" pitchFamily="49" charset="0"/>
+                <a:ea typeface="배달의민족 주아" pitchFamily="18" charset="-127"/>
+                <a:cs typeface="Consolas" pitchFamily="49" charset="0"/>
+              </a:rPr>
+              <a:t>{</a:t>
+            </a:r>
+            <a:br>
+              <a:rPr lang="en-US" altLang="ko-KR" sz="2800" dirty="0" smtClean="0">
+                <a:latin typeface="Consolas" pitchFamily="49" charset="0"/>
+                <a:ea typeface="배달의민족 주아" pitchFamily="18" charset="-127"/>
+                <a:cs typeface="Consolas" pitchFamily="49" charset="0"/>
+              </a:rPr>
+            </a:br>
+            <a:r>
+              <a:rPr lang="en-US" altLang="ko-KR" sz="2800" dirty="0">
+                <a:latin typeface="Consolas" pitchFamily="49" charset="0"/>
+                <a:ea typeface="배달의민족 주아" pitchFamily="18" charset="-127"/>
+                <a:cs typeface="Consolas" pitchFamily="49" charset="0"/>
+              </a:rPr>
+              <a:t>	</a:t>
+            </a:r>
+            <a:r>
+              <a:rPr lang="en-US" altLang="ko-KR" sz="2800" dirty="0" err="1" smtClean="0">
+                <a:latin typeface="Consolas" pitchFamily="49" charset="0"/>
+                <a:ea typeface="배달의민족 주아" pitchFamily="18" charset="-127"/>
+                <a:cs typeface="Consolas" pitchFamily="49" charset="0"/>
+              </a:rPr>
+              <a:t>totalPrice</a:t>
+            </a:r>
+            <a:r>
+              <a:rPr lang="en-US" altLang="ko-KR" sz="2800" dirty="0" smtClean="0">
+                <a:latin typeface="Consolas" pitchFamily="49" charset="0"/>
+                <a:ea typeface="배달의민족 주아" pitchFamily="18" charset="-127"/>
+                <a:cs typeface="Consolas" pitchFamily="49" charset="0"/>
+              </a:rPr>
+              <a:t> = </a:t>
+            </a:r>
+            <a:r>
+              <a:rPr lang="en-US" altLang="ko-KR" sz="2800" dirty="0" err="1" smtClean="0">
+                <a:latin typeface="Consolas" pitchFamily="49" charset="0"/>
+                <a:ea typeface="배달의민족 주아" pitchFamily="18" charset="-127"/>
+                <a:cs typeface="Consolas" pitchFamily="49" charset="0"/>
+              </a:rPr>
+              <a:t>totalPrice</a:t>
+            </a:r>
+            <a:r>
+              <a:rPr lang="en-US" altLang="ko-KR" sz="2800" dirty="0" smtClean="0">
+                <a:latin typeface="Consolas" pitchFamily="49" charset="0"/>
+                <a:ea typeface="배달의민족 주아" pitchFamily="18" charset="-127"/>
+                <a:cs typeface="Consolas" pitchFamily="49" charset="0"/>
+              </a:rPr>
+              <a:t> * 0.8;</a:t>
+            </a:r>
+            <a:br>
+              <a:rPr lang="en-US" altLang="ko-KR" sz="2800" dirty="0" smtClean="0">
+                <a:latin typeface="Consolas" pitchFamily="49" charset="0"/>
+                <a:ea typeface="배달의민족 주아" pitchFamily="18" charset="-127"/>
+                <a:cs typeface="Consolas" pitchFamily="49" charset="0"/>
+              </a:rPr>
+            </a:br>
+            <a:r>
+              <a:rPr lang="en-US" altLang="ko-KR" sz="2800" dirty="0" smtClean="0">
+                <a:latin typeface="Consolas" pitchFamily="49" charset="0"/>
+                <a:ea typeface="배달의민족 주아" pitchFamily="18" charset="-127"/>
+                <a:cs typeface="Consolas" pitchFamily="49" charset="0"/>
+              </a:rPr>
+              <a:t>} </a:t>
+            </a:r>
+            <a:r>
+              <a:rPr lang="en-US" altLang="ko-KR" sz="2800" dirty="0" smtClean="0">
+                <a:solidFill>
+                  <a:schemeClr val="accent5"/>
+                </a:solidFill>
+                <a:latin typeface="Consolas" pitchFamily="49" charset="0"/>
+                <a:ea typeface="배달의민족 주아" pitchFamily="18" charset="-127"/>
+                <a:cs typeface="Consolas" pitchFamily="49" charset="0"/>
+              </a:rPr>
+              <a:t>else </a:t>
+            </a:r>
+            <a:r>
+              <a:rPr lang="en-US" altLang="ko-KR" sz="2800" dirty="0" smtClean="0">
+                <a:latin typeface="Consolas" pitchFamily="49" charset="0"/>
+                <a:ea typeface="배달의민족 주아" pitchFamily="18" charset="-127"/>
+                <a:cs typeface="Consolas" pitchFamily="49" charset="0"/>
+              </a:rPr>
+              <a:t>{</a:t>
+            </a:r>
+            <a:br>
+              <a:rPr lang="en-US" altLang="ko-KR" sz="2800" dirty="0" smtClean="0">
+                <a:latin typeface="Consolas" pitchFamily="49" charset="0"/>
+                <a:ea typeface="배달의민족 주아" pitchFamily="18" charset="-127"/>
+                <a:cs typeface="Consolas" pitchFamily="49" charset="0"/>
+              </a:rPr>
+            </a:br>
+            <a:r>
+              <a:rPr lang="en-US" altLang="ko-KR" sz="2800" dirty="0">
+                <a:latin typeface="Consolas" pitchFamily="49" charset="0"/>
+                <a:ea typeface="배달의민족 주아" pitchFamily="18" charset="-127"/>
+                <a:cs typeface="Consolas" pitchFamily="49" charset="0"/>
+              </a:rPr>
+              <a:t>	</a:t>
+            </a:r>
+            <a:r>
+              <a:rPr lang="en-US" altLang="ko-KR" sz="2800" dirty="0" err="1" smtClean="0">
+                <a:latin typeface="Consolas" pitchFamily="49" charset="0"/>
+                <a:ea typeface="배달의민족 주아" pitchFamily="18" charset="-127"/>
+                <a:cs typeface="Consolas" pitchFamily="49" charset="0"/>
+              </a:rPr>
+              <a:t>totalPrice</a:t>
+            </a:r>
+            <a:r>
+              <a:rPr lang="en-US" altLang="ko-KR" sz="2800" dirty="0" smtClean="0">
+                <a:latin typeface="Consolas" pitchFamily="49" charset="0"/>
+                <a:ea typeface="배달의민족 주아" pitchFamily="18" charset="-127"/>
+                <a:cs typeface="Consolas" pitchFamily="49" charset="0"/>
+              </a:rPr>
+              <a:t> = </a:t>
+            </a:r>
+            <a:r>
+              <a:rPr lang="en-US" altLang="ko-KR" sz="2800" dirty="0" err="1" smtClean="0">
+                <a:latin typeface="Consolas" pitchFamily="49" charset="0"/>
+                <a:ea typeface="배달의민족 주아" pitchFamily="18" charset="-127"/>
+                <a:cs typeface="Consolas" pitchFamily="49" charset="0"/>
+              </a:rPr>
+              <a:t>totalPrice</a:t>
+            </a:r>
+            <a:r>
+              <a:rPr lang="en-US" altLang="ko-KR" sz="2800" dirty="0" smtClean="0">
+                <a:latin typeface="Consolas" pitchFamily="49" charset="0"/>
+                <a:ea typeface="배달의민족 주아" pitchFamily="18" charset="-127"/>
+                <a:cs typeface="Consolas" pitchFamily="49" charset="0"/>
+              </a:rPr>
+              <a:t> * 1;</a:t>
+            </a:r>
+            <a:br>
+              <a:rPr lang="en-US" altLang="ko-KR" sz="2800" dirty="0" smtClean="0">
+                <a:latin typeface="Consolas" pitchFamily="49" charset="0"/>
+                <a:ea typeface="배달의민족 주아" pitchFamily="18" charset="-127"/>
+                <a:cs typeface="Consolas" pitchFamily="49" charset="0"/>
+              </a:rPr>
+            </a:br>
+            <a:r>
+              <a:rPr lang="en-US" altLang="ko-KR" sz="2800" dirty="0">
+                <a:latin typeface="Consolas" pitchFamily="49" charset="0"/>
+                <a:ea typeface="배달의민족 주아" pitchFamily="18" charset="-127"/>
+                <a:cs typeface="Consolas" pitchFamily="49" charset="0"/>
+              </a:rPr>
+              <a:t>}</a:t>
+            </a:r>
+            <a:r>
+              <a:rPr lang="en-US" altLang="ko-KR" sz="3600" dirty="0" smtClean="0">
+                <a:solidFill>
+                  <a:schemeClr val="accent5"/>
+                </a:solidFill>
+                <a:latin typeface="배달의민족 주아" pitchFamily="18" charset="-127"/>
+                <a:ea typeface="배달의민족 주아" pitchFamily="18" charset="-127"/>
+              </a:rPr>
+              <a:t/>
+            </a:r>
+            <a:br>
+              <a:rPr lang="en-US" altLang="ko-KR" sz="3600" dirty="0" smtClean="0">
+                <a:solidFill>
+                  <a:schemeClr val="accent5"/>
+                </a:solidFill>
+                <a:latin typeface="배달의민족 주아" pitchFamily="18" charset="-127"/>
+                <a:ea typeface="배달의민족 주아" pitchFamily="18" charset="-127"/>
+              </a:rPr>
+            </a:br>
+            <a:r>
+              <a:rPr lang="en-US" altLang="ko-KR" sz="3600" dirty="0" smtClean="0">
+                <a:latin typeface="배달의민족 주아" pitchFamily="18" charset="-127"/>
+                <a:ea typeface="배달의민족 주아" pitchFamily="18" charset="-127"/>
+              </a:rPr>
+              <a:t/>
+            </a:r>
+            <a:br>
+              <a:rPr lang="en-US" altLang="ko-KR" sz="3600" dirty="0" smtClean="0">
+                <a:latin typeface="배달의민족 주아" pitchFamily="18" charset="-127"/>
+                <a:ea typeface="배달의민족 주아" pitchFamily="18" charset="-127"/>
+              </a:rPr>
+            </a:br>
+            <a:r>
+              <a:rPr lang="en-US" altLang="ko-KR" sz="3600" dirty="0" smtClean="0">
+                <a:latin typeface="배달의민족 주아" pitchFamily="18" charset="-127"/>
+                <a:ea typeface="배달의민족 주아" pitchFamily="18" charset="-127"/>
+              </a:rPr>
+              <a:t> </a:t>
+            </a:r>
+            <a:endParaRPr lang="ko-KR" altLang="en-US" sz="3600" dirty="0">
+              <a:latin typeface="배달의민족 주아" pitchFamily="18" charset="-127"/>
+              <a:ea typeface="배달의민족 주아" pitchFamily="18" charset="-127"/>
+            </a:endParaRPr>
+          </a:p>
+        </p:txBody>
+      </p:sp>
+      <p:sp>
+        <p:nvSpPr>
+          <p:cNvPr id="3" name="TextBox 2"/>
+          <p:cNvSpPr txBox="1"/>
+          <p:nvPr/>
+        </p:nvSpPr>
+        <p:spPr>
+          <a:xfrm>
+            <a:off x="6588224" y="6165304"/>
+            <a:ext cx="1838965" cy="369332"/>
+          </a:xfrm>
+          <a:prstGeom prst="rect">
+            <a:avLst/>
+          </a:prstGeom>
+          <a:noFill/>
+        </p:spPr>
+        <p:txBody>
+          <a:bodyPr wrap="none" rtlCol="0">
+            <a:spAutoFit/>
+          </a:bodyPr>
+          <a:lstStyle/>
+          <a:p>
+            <a:r>
+              <a:rPr lang="en-US" altLang="ko-KR" dirty="0" smtClean="0">
+                <a:solidFill>
+                  <a:schemeClr val="accent5"/>
+                </a:solidFill>
+                <a:latin typeface="배달의민족 도현" pitchFamily="50" charset="-127"/>
+                <a:ea typeface="배달의민족 도현" pitchFamily="50" charset="-127"/>
+              </a:rPr>
+              <a:t>S</a:t>
+            </a:r>
+            <a:r>
+              <a:rPr lang="en-US" altLang="ko-KR" dirty="0" smtClean="0">
+                <a:latin typeface="배달의민족 도현" pitchFamily="50" charset="-127"/>
+                <a:ea typeface="배달의민족 도현" pitchFamily="50" charset="-127"/>
+              </a:rPr>
+              <a:t>TART</a:t>
+            </a:r>
+            <a:r>
+              <a:rPr lang="en-US" altLang="ko-KR" dirty="0" smtClean="0">
+                <a:solidFill>
+                  <a:schemeClr val="accent5"/>
+                </a:solidFill>
+                <a:latin typeface="배달의민족 도현" pitchFamily="50" charset="-127"/>
+                <a:ea typeface="배달의민족 도현" pitchFamily="50" charset="-127"/>
+              </a:rPr>
+              <a:t>C</a:t>
+            </a:r>
+            <a:r>
+              <a:rPr lang="en-US" altLang="ko-KR" dirty="0" smtClean="0">
+                <a:latin typeface="배달의민족 도현" pitchFamily="50" charset="-127"/>
+                <a:ea typeface="배달의민족 도현" pitchFamily="50" charset="-127"/>
+              </a:rPr>
+              <a:t>ODING</a:t>
+            </a:r>
+            <a:endParaRPr lang="ko-KR" altLang="en-US" dirty="0">
+              <a:latin typeface="배달의민족 도현" pitchFamily="50" charset="-127"/>
+              <a:ea typeface="배달의민족 도현" pitchFamily="50" charset="-127"/>
+            </a:endParaRPr>
+          </a:p>
+        </p:txBody>
+      </p:sp>
+    </p:spTree>
+    <p:extLst>
+      <p:ext uri="{BB962C8B-B14F-4D97-AF65-F5344CB8AC3E}">
+        <p14:creationId xmlns:p14="http://schemas.microsoft.com/office/powerpoint/2010/main" val="3827306650"/>
+      </p:ext>
+    </p:extLst>
+  </p:cSld>
+  <p:clrMapOvr>
+    <a:masterClrMapping/>
+  </p:clrMapOvr>
+  <p:timing>
+    <p:tnLst>
+      <p:par>
+        <p:cTn id="1" dur="indefinite" restart="never" nodeType="tmRoot"/>
+      </p:par>
+    </p:tnLst>
+  </p:timing>
+</p:sld>
+</file>
+
+<file path=ppt/slides/slide14.xml><?xml version="1.0" encoding="utf-8"?>
 <p:sld xmlns:a="http://schemas.openxmlformats.org/drawingml/2006/main" xmlns:r="http://schemas.openxmlformats.org/officeDocument/2006/relationships" xmlns:p="http://schemas.openxmlformats.org/presentationml/2006/main">
   <p:cSld>
     <p:spTree>
@@ -4277,7 +5686,7 @@
         </p:nvSpPr>
         <p:spPr>
           <a:xfrm>
-            <a:off x="657139" y="1670943"/>
+            <a:off x="657139" y="2145134"/>
             <a:ext cx="7772400" cy="1470025"/>
           </a:xfrm>
         </p:spPr>
@@ -4386,7 +5795,7 @@
         </p:nvSpPr>
         <p:spPr>
           <a:xfrm>
-            <a:off x="657139" y="2852936"/>
+            <a:off x="657139" y="3327127"/>
             <a:ext cx="7772400" cy="1470025"/>
           </a:xfrm>
           <a:prstGeom prst="rect">
@@ -5518,6 +6927,17 @@
 <file path=ppt/slides/slide7.xml><?xml version="1.0" encoding="utf-8"?>
 <p:sld xmlns:a="http://schemas.openxmlformats.org/drawingml/2006/main" xmlns:r="http://schemas.openxmlformats.org/officeDocument/2006/relationships" xmlns:p="http://schemas.openxmlformats.org/presentationml/2006/main">
   <p:cSld>
+    <p:bg>
+      <p:bgPr>
+        <a:solidFill>
+          <a:schemeClr val="accent3">
+            <a:lumMod val="75000"/>
+            <a:alpha val="50000"/>
+          </a:schemeClr>
+        </a:solidFill>
+        <a:effectLst/>
+      </p:bgPr>
+    </p:bg>
     <p:spTree>
       <p:nvGrpSpPr>
         <p:cNvPr id="1" name=""/>
@@ -5544,162 +6964,230 @@
         </p:nvSpPr>
         <p:spPr>
           <a:xfrm>
-            <a:off x="2915816" y="2564904"/>
-            <a:ext cx="3672408" cy="1872207"/>
+            <a:off x="1475656" y="1412776"/>
+            <a:ext cx="7272808" cy="3600399"/>
           </a:xfrm>
         </p:spPr>
         <p:txBody>
           <a:bodyPr>
-            <a:normAutofit fontScale="90000"/>
+            <a:noAutofit/>
           </a:bodyPr>
           <a:lstStyle/>
           <a:p>
             <a:pPr algn="l"/>
             <a:r>
-              <a:rPr lang="en-US" altLang="ko-KR" dirty="0" smtClean="0">
+              <a:rPr lang="en-US" altLang="ko-KR" sz="3200" dirty="0" smtClean="0">
+                <a:latin typeface="Consolas" pitchFamily="49" charset="0"/>
+                <a:ea typeface="배달의민족 도현" pitchFamily="50" charset="-127"/>
+                <a:cs typeface="Consolas" pitchFamily="49" charset="0"/>
+              </a:rPr>
+              <a:t>let </a:t>
+            </a:r>
+            <a:r>
+              <a:rPr lang="en-US" altLang="ko-KR" sz="3200" dirty="0" err="1" smtClean="0">
+                <a:latin typeface="Consolas" pitchFamily="49" charset="0"/>
+                <a:ea typeface="배달의민족 도현" pitchFamily="50" charset="-127"/>
+                <a:cs typeface="Consolas" pitchFamily="49" charset="0"/>
+              </a:rPr>
+              <a:t>totalPrice</a:t>
+            </a:r>
+            <a:r>
+              <a:rPr lang="en-US" altLang="ko-KR" sz="3200" dirty="0" smtClean="0">
+                <a:latin typeface="Consolas" pitchFamily="49" charset="0"/>
+                <a:ea typeface="배달의민족 도현" pitchFamily="50" charset="-127"/>
+                <a:cs typeface="Consolas" pitchFamily="49" charset="0"/>
+              </a:rPr>
+              <a:t> = 65000;</a:t>
+            </a:r>
+            <a:br>
+              <a:rPr lang="en-US" altLang="ko-KR" sz="3200" dirty="0" smtClean="0">
+                <a:latin typeface="Consolas" pitchFamily="49" charset="0"/>
+                <a:ea typeface="배달의민족 도현" pitchFamily="50" charset="-127"/>
+                <a:cs typeface="Consolas" pitchFamily="49" charset="0"/>
+              </a:rPr>
+            </a:br>
+            <a:r>
+              <a:rPr lang="en-US" altLang="ko-KR" sz="3200" dirty="0" smtClean="0">
+                <a:latin typeface="Consolas" pitchFamily="49" charset="0"/>
+                <a:ea typeface="배달의민족 도현" pitchFamily="50" charset="-127"/>
+                <a:cs typeface="Consolas" pitchFamily="49" charset="0"/>
+              </a:rPr>
+              <a:t>let </a:t>
+            </a:r>
+            <a:r>
+              <a:rPr lang="en-US" altLang="ko-KR" sz="3200" dirty="0" err="1" smtClean="0">
+                <a:latin typeface="Consolas" pitchFamily="49" charset="0"/>
+                <a:ea typeface="배달의민족 도현" pitchFamily="50" charset="-127"/>
+                <a:cs typeface="Consolas" pitchFamily="49" charset="0"/>
+              </a:rPr>
+              <a:t>deliveryFee</a:t>
+            </a:r>
+            <a:r>
+              <a:rPr lang="en-US" altLang="ko-KR" sz="3200" dirty="0" smtClean="0">
+                <a:latin typeface="Consolas" pitchFamily="49" charset="0"/>
+                <a:ea typeface="배달의민족 도현" pitchFamily="50" charset="-127"/>
+                <a:cs typeface="Consolas" pitchFamily="49" charset="0"/>
+              </a:rPr>
+              <a:t> = 2500;</a:t>
+            </a:r>
+            <a:r>
+              <a:rPr lang="en-US" altLang="ko-KR" sz="3200" dirty="0" smtClean="0">
                 <a:solidFill>
                   <a:schemeClr val="accent5"/>
                 </a:solidFill>
-                <a:latin typeface="배달의민족 주아" pitchFamily="18" charset="-127"/>
-                <a:ea typeface="배달의민족 주아" pitchFamily="18" charset="-127"/>
+                <a:latin typeface="Consolas" pitchFamily="49" charset="0"/>
+                <a:ea typeface="배달의민족 도현" pitchFamily="50" charset="-127"/>
+                <a:cs typeface="Consolas" pitchFamily="49" charset="0"/>
+              </a:rPr>
+              <a:t/>
+            </a:r>
+            <a:br>
+              <a:rPr lang="en-US" altLang="ko-KR" sz="3200" dirty="0" smtClean="0">
+                <a:solidFill>
+                  <a:schemeClr val="accent5"/>
+                </a:solidFill>
+                <a:latin typeface="Consolas" pitchFamily="49" charset="0"/>
+                <a:ea typeface="배달의민족 도현" pitchFamily="50" charset="-127"/>
+                <a:cs typeface="Consolas" pitchFamily="49" charset="0"/>
+              </a:rPr>
+            </a:br>
+            <a:r>
+              <a:rPr lang="en-US" altLang="ko-KR" sz="3200" dirty="0" smtClean="0">
+                <a:solidFill>
+                  <a:schemeClr val="accent5"/>
+                </a:solidFill>
+                <a:latin typeface="Consolas" pitchFamily="49" charset="0"/>
+                <a:ea typeface="배달의민족 도현" pitchFamily="50" charset="-127"/>
+                <a:cs typeface="Consolas" pitchFamily="49" charset="0"/>
+              </a:rPr>
+              <a:t/>
+            </a:r>
+            <a:br>
+              <a:rPr lang="en-US" altLang="ko-KR" sz="3200" dirty="0" smtClean="0">
+                <a:solidFill>
+                  <a:schemeClr val="accent5"/>
+                </a:solidFill>
+                <a:latin typeface="Consolas" pitchFamily="49" charset="0"/>
+                <a:ea typeface="배달의민족 도현" pitchFamily="50" charset="-127"/>
+                <a:cs typeface="Consolas" pitchFamily="49" charset="0"/>
+              </a:rPr>
+            </a:br>
+            <a:r>
+              <a:rPr lang="en-US" altLang="ko-KR" sz="3200" dirty="0" smtClean="0">
+                <a:solidFill>
+                  <a:schemeClr val="accent5"/>
+                </a:solidFill>
+                <a:latin typeface="Consolas" pitchFamily="49" charset="0"/>
+                <a:ea typeface="배달의민족 도현" pitchFamily="50" charset="-127"/>
+                <a:cs typeface="Consolas" pitchFamily="49" charset="0"/>
               </a:rPr>
               <a:t>if</a:t>
             </a:r>
             <a:r>
-              <a:rPr lang="en-US" altLang="ko-KR" dirty="0" smtClean="0">
-                <a:latin typeface="배달의민족 주아" pitchFamily="18" charset="-127"/>
-                <a:ea typeface="배달의민족 주아" pitchFamily="18" charset="-127"/>
-              </a:rPr>
-              <a:t>(</a:t>
-            </a:r>
-            <a:r>
-              <a:rPr lang="ko-KR" altLang="en-US" dirty="0" smtClean="0">
-                <a:solidFill>
-                  <a:schemeClr val="accent6"/>
-                </a:solidFill>
-                <a:latin typeface="배달의민족 주아" pitchFamily="18" charset="-127"/>
-                <a:ea typeface="배달의민족 주아" pitchFamily="18" charset="-127"/>
-              </a:rPr>
-              <a:t>조건</a:t>
-            </a:r>
-            <a:r>
-              <a:rPr lang="en-US" altLang="ko-KR" dirty="0" smtClean="0">
-                <a:latin typeface="배달의민족 주아" pitchFamily="18" charset="-127"/>
-                <a:ea typeface="배달의민족 주아" pitchFamily="18" charset="-127"/>
+              <a:rPr lang="en-US" altLang="ko-KR" sz="3200" dirty="0" smtClean="0">
+                <a:latin typeface="Consolas" pitchFamily="49" charset="0"/>
+                <a:ea typeface="배달의민족 도현" pitchFamily="50" charset="-127"/>
+                <a:cs typeface="Consolas" pitchFamily="49" charset="0"/>
+              </a:rPr>
+              <a:t>( </a:t>
+            </a:r>
+            <a:r>
+              <a:rPr lang="en-US" altLang="ko-KR" sz="3200" dirty="0" err="1" smtClean="0">
+                <a:solidFill>
+                  <a:schemeClr val="accent6">
+                    <a:lumMod val="75000"/>
+                  </a:schemeClr>
+                </a:solidFill>
+                <a:latin typeface="Consolas" pitchFamily="49" charset="0"/>
+                <a:ea typeface="배달의민족 도현" pitchFamily="50" charset="-127"/>
+                <a:cs typeface="Consolas" pitchFamily="49" charset="0"/>
+              </a:rPr>
+              <a:t>totalPrice</a:t>
+            </a:r>
+            <a:r>
+              <a:rPr lang="en-US" altLang="ko-KR" sz="3200" dirty="0" smtClean="0">
+                <a:solidFill>
+                  <a:schemeClr val="accent6">
+                    <a:lumMod val="75000"/>
+                  </a:schemeClr>
+                </a:solidFill>
+                <a:latin typeface="Consolas" pitchFamily="49" charset="0"/>
+                <a:ea typeface="배달의민족 도현" pitchFamily="50" charset="-127"/>
+                <a:cs typeface="Consolas" pitchFamily="49" charset="0"/>
+              </a:rPr>
+              <a:t> &gt;= 50000 </a:t>
+            </a:r>
+            <a:r>
+              <a:rPr lang="en-US" altLang="ko-KR" sz="3200" dirty="0" smtClean="0">
+                <a:latin typeface="Consolas" pitchFamily="49" charset="0"/>
+                <a:ea typeface="배달의민족 도현" pitchFamily="50" charset="-127"/>
+                <a:cs typeface="Consolas" pitchFamily="49" charset="0"/>
               </a:rPr>
               <a:t>){</a:t>
             </a:r>
+            <a:r>
+              <a:rPr lang="en-US" altLang="ko-KR" sz="3200" dirty="0" smtClean="0">
+                <a:latin typeface="Consolas" pitchFamily="49" charset="0"/>
+                <a:ea typeface="배달의민족 도현" pitchFamily="50" charset="-127"/>
+                <a:cs typeface="Consolas" pitchFamily="49" charset="0"/>
+              </a:rPr>
+              <a:t/>
+            </a:r>
             <a:br>
-              <a:rPr lang="en-US" altLang="ko-KR" dirty="0" smtClean="0">
-                <a:latin typeface="배달의민족 주아" pitchFamily="18" charset="-127"/>
-                <a:ea typeface="배달의민족 주아" pitchFamily="18" charset="-127"/>
+              <a:rPr lang="en-US" altLang="ko-KR" sz="3200" dirty="0" smtClean="0">
+                <a:latin typeface="Consolas" pitchFamily="49" charset="0"/>
+                <a:ea typeface="배달의민족 도현" pitchFamily="50" charset="-127"/>
+                <a:cs typeface="Consolas" pitchFamily="49" charset="0"/>
               </a:rPr>
             </a:br>
             <a:r>
-              <a:rPr lang="en-US" altLang="ko-KR" dirty="0">
-                <a:latin typeface="배달의민족 주아" pitchFamily="18" charset="-127"/>
-                <a:ea typeface="배달의민족 주아" pitchFamily="18" charset="-127"/>
+              <a:rPr lang="en-US" altLang="ko-KR" sz="3200" dirty="0" smtClean="0">
+                <a:latin typeface="Consolas" pitchFamily="49" charset="0"/>
+                <a:ea typeface="배달의민족 도현" pitchFamily="50" charset="-127"/>
+                <a:cs typeface="Consolas" pitchFamily="49" charset="0"/>
               </a:rPr>
               <a:t>	</a:t>
             </a:r>
             <a:r>
-              <a:rPr lang="ko-KR" altLang="en-US" dirty="0" smtClean="0">
-                <a:latin typeface="배달의민족 주아" pitchFamily="18" charset="-127"/>
-                <a:ea typeface="배달의민족 주아" pitchFamily="18" charset="-127"/>
-              </a:rPr>
-              <a:t>명령블록</a:t>
-            </a:r>
-            <a:r>
-              <a:rPr lang="en-US" altLang="ko-KR" dirty="0" smtClean="0">
-                <a:latin typeface="배달의민족 주아" pitchFamily="18" charset="-127"/>
-                <a:ea typeface="배달의민족 주아" pitchFamily="18" charset="-127"/>
+              <a:rPr lang="en-US" altLang="ko-KR" sz="3200" dirty="0" err="1" smtClean="0">
+                <a:latin typeface="Consolas" pitchFamily="49" charset="0"/>
+                <a:ea typeface="배달의민족 도현" pitchFamily="50" charset="-127"/>
+                <a:cs typeface="Consolas" pitchFamily="49" charset="0"/>
+              </a:rPr>
+              <a:t>deliveryFee</a:t>
+            </a:r>
+            <a:r>
+              <a:rPr lang="en-US" altLang="ko-KR" sz="3200" dirty="0" smtClean="0">
+                <a:latin typeface="Consolas" pitchFamily="49" charset="0"/>
+                <a:ea typeface="배달의민족 도현" pitchFamily="50" charset="-127"/>
+                <a:cs typeface="Consolas" pitchFamily="49" charset="0"/>
+              </a:rPr>
+              <a:t> = 0;</a:t>
+            </a:r>
+            <a:r>
+              <a:rPr lang="en-US" altLang="ko-KR" sz="3200" dirty="0" smtClean="0">
+                <a:latin typeface="Consolas" pitchFamily="49" charset="0"/>
+                <a:ea typeface="배달의민족 도현" pitchFamily="50" charset="-127"/>
+                <a:cs typeface="Consolas" pitchFamily="49" charset="0"/>
               </a:rPr>
               <a:t/>
             </a:r>
             <a:br>
-              <a:rPr lang="en-US" altLang="ko-KR" dirty="0" smtClean="0">
-                <a:latin typeface="배달의민족 주아" pitchFamily="18" charset="-127"/>
-                <a:ea typeface="배달의민족 주아" pitchFamily="18" charset="-127"/>
+              <a:rPr lang="en-US" altLang="ko-KR" sz="3200" dirty="0" smtClean="0">
+                <a:latin typeface="Consolas" pitchFamily="49" charset="0"/>
+                <a:ea typeface="배달의민족 도현" pitchFamily="50" charset="-127"/>
+                <a:cs typeface="Consolas" pitchFamily="49" charset="0"/>
               </a:rPr>
             </a:br>
             <a:r>
-              <a:rPr lang="en-US" altLang="ko-KR" dirty="0" smtClean="0">
-                <a:latin typeface="배달의민족 주아" pitchFamily="18" charset="-127"/>
-                <a:ea typeface="배달의민족 주아" pitchFamily="18" charset="-127"/>
+              <a:rPr lang="en-US" altLang="ko-KR" sz="3200" dirty="0" smtClean="0">
+                <a:latin typeface="Consolas" pitchFamily="49" charset="0"/>
+                <a:ea typeface="배달의민족 도현" pitchFamily="50" charset="-127"/>
+                <a:cs typeface="Consolas" pitchFamily="49" charset="0"/>
               </a:rPr>
               <a:t>}</a:t>
             </a:r>
-            <a:r>
-              <a:rPr lang="en-US" altLang="ko-KR" dirty="0" smtClean="0">
-                <a:solidFill>
-                  <a:schemeClr val="accent5"/>
-                </a:solidFill>
-                <a:latin typeface="배달의민족 주아" pitchFamily="18" charset="-127"/>
-                <a:ea typeface="배달의민족 주아" pitchFamily="18" charset="-127"/>
-              </a:rPr>
-              <a:t>else</a:t>
-            </a:r>
-            <a:r>
-              <a:rPr lang="en-US" altLang="ko-KR" dirty="0" smtClean="0">
-                <a:latin typeface="배달의민족 주아" pitchFamily="18" charset="-127"/>
-                <a:ea typeface="배달의민족 주아" pitchFamily="18" charset="-127"/>
-              </a:rPr>
-              <a:t> {</a:t>
-            </a:r>
-            <a:br>
-              <a:rPr lang="en-US" altLang="ko-KR" dirty="0" smtClean="0">
-                <a:latin typeface="배달의민족 주아" pitchFamily="18" charset="-127"/>
-                <a:ea typeface="배달의민족 주아" pitchFamily="18" charset="-127"/>
-              </a:rPr>
-            </a:br>
-            <a:r>
-              <a:rPr lang="en-US" altLang="ko-KR" dirty="0">
-                <a:latin typeface="배달의민족 주아" pitchFamily="18" charset="-127"/>
-                <a:ea typeface="배달의민족 주아" pitchFamily="18" charset="-127"/>
-              </a:rPr>
-              <a:t>	</a:t>
-            </a:r>
-            <a:r>
-              <a:rPr lang="ko-KR" altLang="en-US" dirty="0" smtClean="0">
-                <a:latin typeface="배달의민족 주아" pitchFamily="18" charset="-127"/>
-                <a:ea typeface="배달의민족 주아" pitchFamily="18" charset="-127"/>
-              </a:rPr>
-              <a:t>명령블록</a:t>
-            </a:r>
-            <a:r>
-              <a:rPr lang="en-US" altLang="ko-KR" dirty="0" smtClean="0">
-                <a:latin typeface="배달의민족 주아" pitchFamily="18" charset="-127"/>
-                <a:ea typeface="배달의민족 주아" pitchFamily="18" charset="-127"/>
-              </a:rPr>
-              <a:t/>
-            </a:r>
-            <a:br>
-              <a:rPr lang="en-US" altLang="ko-KR" dirty="0" smtClean="0">
-                <a:latin typeface="배달의민족 주아" pitchFamily="18" charset="-127"/>
-                <a:ea typeface="배달의민족 주아" pitchFamily="18" charset="-127"/>
-              </a:rPr>
-            </a:br>
-            <a:r>
-              <a:rPr lang="en-US" altLang="ko-KR" dirty="0">
-                <a:latin typeface="배달의민족 주아" pitchFamily="18" charset="-127"/>
-                <a:ea typeface="배달의민족 주아" pitchFamily="18" charset="-127"/>
-              </a:rPr>
-              <a:t>}</a:t>
-            </a:r>
-            <a:r>
-              <a:rPr lang="en-US" altLang="ko-KR" dirty="0" smtClean="0">
-                <a:latin typeface="배달의민족 주아" pitchFamily="18" charset="-127"/>
-                <a:ea typeface="배달의민족 주아" pitchFamily="18" charset="-127"/>
-              </a:rPr>
-              <a:t/>
-            </a:r>
-            <a:br>
-              <a:rPr lang="en-US" altLang="ko-KR" dirty="0" smtClean="0">
-                <a:latin typeface="배달의민족 주아" pitchFamily="18" charset="-127"/>
-                <a:ea typeface="배달의민족 주아" pitchFamily="18" charset="-127"/>
-              </a:rPr>
-            </a:br>
-            <a:endParaRPr lang="ko-KR" altLang="en-US" dirty="0">
+            <a:endParaRPr lang="ko-KR" altLang="en-US" sz="3200" dirty="0">
               <a:latin typeface="배달의민족 주아" pitchFamily="18" charset="-127"/>
               <a:ea typeface="배달의민족 주아" pitchFamily="18" charset="-127"/>
             </a:endParaRPr>
@@ -5772,7 +7260,7 @@
     </p:spTree>
     <p:extLst>
       <p:ext uri="{BB962C8B-B14F-4D97-AF65-F5344CB8AC3E}">
-        <p14:creationId xmlns:p14="http://schemas.microsoft.com/office/powerpoint/2010/main" val="3770755585"/>
+        <p14:creationId xmlns:p14="http://schemas.microsoft.com/office/powerpoint/2010/main" val="3905476393"/>
       </p:ext>
     </p:extLst>
   </p:cSld>
@@ -5818,19 +7306,19 @@
         </p:nvSpPr>
         <p:spPr>
           <a:xfrm>
-            <a:off x="1979712" y="2348880"/>
-            <a:ext cx="6048672" cy="2088231"/>
+            <a:off x="2915816" y="2564904"/>
+            <a:ext cx="3672408" cy="1872207"/>
           </a:xfrm>
         </p:spPr>
         <p:txBody>
           <a:bodyPr>
-            <a:noAutofit/>
+            <a:normAutofit fontScale="90000"/>
           </a:bodyPr>
           <a:lstStyle/>
           <a:p>
             <a:pPr algn="l"/>
             <a:r>
-              <a:rPr lang="en-US" altLang="ko-KR" sz="3600" dirty="0" smtClean="0">
+              <a:rPr lang="en-US" altLang="ko-KR" dirty="0" smtClean="0">
                 <a:solidFill>
                   <a:schemeClr val="accent5"/>
                 </a:solidFill>
@@ -5840,122 +7328,71 @@
               <a:t>if</a:t>
             </a:r>
             <a:r>
-              <a:rPr lang="en-US" altLang="ko-KR" sz="3600" dirty="0" smtClean="0">
+              <a:rPr lang="en-US" altLang="ko-KR" dirty="0" smtClean="0">
                 <a:latin typeface="배달의민족 주아" pitchFamily="18" charset="-127"/>
                 <a:ea typeface="배달의민족 주아" pitchFamily="18" charset="-127"/>
               </a:rPr>
               <a:t>(</a:t>
             </a:r>
             <a:r>
-              <a:rPr lang="ko-KR" altLang="en-US" sz="3600" dirty="0" smtClean="0">
+              <a:rPr lang="ko-KR" altLang="en-US" dirty="0" smtClean="0">
                 <a:solidFill>
                   <a:schemeClr val="accent6"/>
                 </a:solidFill>
                 <a:latin typeface="배달의민족 주아" pitchFamily="18" charset="-127"/>
                 <a:ea typeface="배달의민족 주아" pitchFamily="18" charset="-127"/>
               </a:rPr>
-              <a:t>합계금액이 </a:t>
-            </a:r>
-            <a:r>
-              <a:rPr lang="en-US" altLang="ko-KR" sz="3600" dirty="0" smtClean="0">
-                <a:solidFill>
-                  <a:schemeClr val="accent6"/>
-                </a:solidFill>
-                <a:latin typeface="배달의민족 주아" pitchFamily="18" charset="-127"/>
-                <a:ea typeface="배달의민족 주아" pitchFamily="18" charset="-127"/>
-              </a:rPr>
-              <a:t>5</a:t>
-            </a:r>
-            <a:r>
-              <a:rPr lang="ko-KR" altLang="en-US" sz="3600" dirty="0" smtClean="0">
-                <a:solidFill>
-                  <a:schemeClr val="accent6"/>
-                </a:solidFill>
-                <a:latin typeface="배달의민족 주아" pitchFamily="18" charset="-127"/>
-                <a:ea typeface="배달의민족 주아" pitchFamily="18" charset="-127"/>
-              </a:rPr>
-              <a:t>만원 이상인가</a:t>
-            </a:r>
-            <a:r>
-              <a:rPr lang="en-US" altLang="ko-KR" sz="3600" dirty="0" smtClean="0">
-                <a:solidFill>
-                  <a:schemeClr val="accent6"/>
-                </a:solidFill>
-                <a:latin typeface="배달의민족 주아" pitchFamily="18" charset="-127"/>
-                <a:ea typeface="배달의민족 주아" pitchFamily="18" charset="-127"/>
-              </a:rPr>
-              <a:t>?</a:t>
-            </a:r>
-            <a:r>
-              <a:rPr lang="en-US" altLang="ko-KR" sz="3600" dirty="0" smtClean="0">
+              <a:t>조건</a:t>
+            </a:r>
+            <a:r>
+              <a:rPr lang="en-US" altLang="ko-KR" dirty="0" smtClean="0">
                 <a:latin typeface="배달의민족 주아" pitchFamily="18" charset="-127"/>
                 <a:ea typeface="배달의민족 주아" pitchFamily="18" charset="-127"/>
               </a:rPr>
               <a:t>){</a:t>
             </a:r>
             <a:br>
-              <a:rPr lang="en-US" altLang="ko-KR" sz="3600" dirty="0" smtClean="0">
+              <a:rPr lang="en-US" altLang="ko-KR" dirty="0" smtClean="0">
                 <a:latin typeface="배달의민족 주아" pitchFamily="18" charset="-127"/>
                 <a:ea typeface="배달의민족 주아" pitchFamily="18" charset="-127"/>
               </a:rPr>
             </a:br>
             <a:r>
-              <a:rPr lang="en-US" altLang="ko-KR" sz="3600" dirty="0">
+              <a:rPr lang="en-US" altLang="ko-KR" dirty="0">
                 <a:latin typeface="배달의민족 주아" pitchFamily="18" charset="-127"/>
                 <a:ea typeface="배달의민족 주아" pitchFamily="18" charset="-127"/>
               </a:rPr>
               <a:t>	</a:t>
             </a:r>
             <a:r>
-              <a:rPr lang="ko-KR" altLang="en-US" sz="3600" dirty="0" err="1" smtClean="0">
-                <a:latin typeface="배달의민족 주아" pitchFamily="18" charset="-127"/>
-                <a:ea typeface="배달의민족 주아" pitchFamily="18" charset="-127"/>
-              </a:rPr>
-              <a:t>배송비는</a:t>
-            </a:r>
-            <a:r>
-              <a:rPr lang="ko-KR" altLang="en-US" sz="3600" dirty="0" smtClean="0">
-                <a:latin typeface="배달의민족 주아" pitchFamily="18" charset="-127"/>
-                <a:ea typeface="배달의민족 주아" pitchFamily="18" charset="-127"/>
-              </a:rPr>
-              <a:t> </a:t>
-            </a:r>
-            <a:r>
-              <a:rPr lang="en-US" altLang="ko-KR" sz="3600" dirty="0" smtClean="0">
-                <a:latin typeface="배달의민족 주아" pitchFamily="18" charset="-127"/>
-                <a:ea typeface="배달의민족 주아" pitchFamily="18" charset="-127"/>
-              </a:rPr>
-              <a:t>0</a:t>
-            </a:r>
-            <a:r>
-              <a:rPr lang="ko-KR" altLang="en-US" sz="3600" dirty="0" smtClean="0">
-                <a:latin typeface="배달의민족 주아" pitchFamily="18" charset="-127"/>
-                <a:ea typeface="배달의민족 주아" pitchFamily="18" charset="-127"/>
-              </a:rPr>
-              <a:t>원이다</a:t>
-            </a:r>
-            <a:r>
-              <a:rPr lang="en-US" altLang="ko-KR" sz="3600" dirty="0" smtClean="0">
-                <a:latin typeface="배달의민족 주아" pitchFamily="18" charset="-127"/>
-                <a:ea typeface="배달의민족 주아" pitchFamily="18" charset="-127"/>
-              </a:rPr>
-              <a:t>.</a:t>
+              <a:rPr lang="ko-KR" altLang="en-US" dirty="0" smtClean="0">
+                <a:latin typeface="배달의민족 주아" pitchFamily="18" charset="-127"/>
+                <a:ea typeface="배달의민족 주아" pitchFamily="18" charset="-127"/>
+              </a:rPr>
+              <a:t>명령블록</a:t>
+            </a:r>
+            <a:r>
+              <a:rPr lang="en-US" altLang="ko-KR" dirty="0" smtClean="0">
+                <a:latin typeface="배달의민족 주아" pitchFamily="18" charset="-127"/>
+                <a:ea typeface="배달의민족 주아" pitchFamily="18" charset="-127"/>
+              </a:rPr>
+              <a:t/>
             </a:r>
             <a:br>
-              <a:rPr lang="en-US" altLang="ko-KR" sz="3600" dirty="0" smtClean="0">
+              <a:rPr lang="en-US" altLang="ko-KR" dirty="0" smtClean="0">
                 <a:latin typeface="배달의민족 주아" pitchFamily="18" charset="-127"/>
                 <a:ea typeface="배달의민족 주아" pitchFamily="18" charset="-127"/>
               </a:rPr>
             </a:br>
             <a:r>
-              <a:rPr lang="en-US" altLang="ko-KR" sz="3600" dirty="0" smtClean="0">
+              <a:rPr lang="en-US" altLang="ko-KR" dirty="0" smtClean="0">
                 <a:latin typeface="배달의민족 주아" pitchFamily="18" charset="-127"/>
                 <a:ea typeface="배달의민족 주아" pitchFamily="18" charset="-127"/>
               </a:rPr>
               <a:t>}</a:t>
             </a:r>
             <a:r>
-              <a:rPr lang="en-US" altLang="ko-KR" sz="3600" dirty="0" smtClean="0">
+              <a:rPr lang="en-US" altLang="ko-KR" dirty="0" smtClean="0">
                 <a:solidFill>
                   <a:schemeClr val="accent5"/>
                 </a:solidFill>
@@ -5965,87 +7402,66 @@
               <a:t>else</a:t>
             </a:r>
             <a:r>
-              <a:rPr lang="en-US" altLang="ko-KR" sz="3600" dirty="0" smtClean="0">
+              <a:rPr lang="en-US" altLang="ko-KR" dirty="0" smtClean="0">
                 <a:latin typeface="배달의민족 주아" pitchFamily="18" charset="-127"/>
                 <a:ea typeface="배달의민족 주아" pitchFamily="18" charset="-127"/>
               </a:rPr>
               <a:t> {</a:t>
             </a:r>
             <a:br>
-              <a:rPr lang="en-US" altLang="ko-KR" sz="3600" dirty="0" smtClean="0">
+              <a:rPr lang="en-US" altLang="ko-KR" dirty="0" smtClean="0">
                 <a:latin typeface="배달의민족 주아" pitchFamily="18" charset="-127"/>
                 <a:ea typeface="배달의민족 주아" pitchFamily="18" charset="-127"/>
               </a:rPr>
             </a:br>
             <a:r>
-              <a:rPr lang="en-US" altLang="ko-KR" sz="3600" dirty="0">
+              <a:rPr lang="en-US" altLang="ko-KR" dirty="0">
                 <a:latin typeface="배달의민족 주아" pitchFamily="18" charset="-127"/>
                 <a:ea typeface="배달의민족 주아" pitchFamily="18" charset="-127"/>
               </a:rPr>
               <a:t>	</a:t>
             </a:r>
             <a:r>
-              <a:rPr lang="ko-KR" altLang="en-US" sz="3600" dirty="0" err="1" smtClean="0">
-                <a:latin typeface="배달의민족 주아" pitchFamily="18" charset="-127"/>
-                <a:ea typeface="배달의민족 주아" pitchFamily="18" charset="-127"/>
-              </a:rPr>
-              <a:t>배송비는</a:t>
-            </a:r>
-            <a:r>
-              <a:rPr lang="ko-KR" altLang="en-US" sz="3600" dirty="0" smtClean="0">
-                <a:latin typeface="배달의민족 주아" pitchFamily="18" charset="-127"/>
-                <a:ea typeface="배달의민족 주아" pitchFamily="18" charset="-127"/>
-              </a:rPr>
-              <a:t> </a:t>
-            </a:r>
-            <a:r>
-              <a:rPr lang="en-US" altLang="ko-KR" sz="3600" dirty="0" smtClean="0">
-                <a:latin typeface="배달의민족 주아" pitchFamily="18" charset="-127"/>
-                <a:ea typeface="배달의민족 주아" pitchFamily="18" charset="-127"/>
-              </a:rPr>
-              <a:t>2500</a:t>
-            </a:r>
-            <a:r>
-              <a:rPr lang="ko-KR" altLang="en-US" sz="3600" dirty="0" smtClean="0">
-                <a:latin typeface="배달의민족 주아" pitchFamily="18" charset="-127"/>
-                <a:ea typeface="배달의민족 주아" pitchFamily="18" charset="-127"/>
-              </a:rPr>
-              <a:t>원이다</a:t>
-            </a:r>
-            <a:r>
-              <a:rPr lang="en-US" altLang="ko-KR" sz="3600" dirty="0" smtClean="0">
-                <a:latin typeface="배달의민족 주아" pitchFamily="18" charset="-127"/>
-                <a:ea typeface="배달의민족 주아" pitchFamily="18" charset="-127"/>
-              </a:rPr>
-              <a:t>.</a:t>
+              <a:rPr lang="ko-KR" altLang="en-US" dirty="0" smtClean="0">
+                <a:latin typeface="배달의민족 주아" pitchFamily="18" charset="-127"/>
+                <a:ea typeface="배달의민족 주아" pitchFamily="18" charset="-127"/>
+              </a:rPr>
+              <a:t>명령블록</a:t>
+            </a:r>
+            <a:r>
+              <a:rPr lang="en-US" altLang="ko-KR" dirty="0" smtClean="0">
+                <a:latin typeface="배달의민족 주아" pitchFamily="18" charset="-127"/>
+                <a:ea typeface="배달의민족 주아" pitchFamily="18" charset="-127"/>
+              </a:rPr>
+              <a:t/>
             </a:r>
             <a:br>
-              <a:rPr lang="en-US" altLang="ko-KR" sz="3600" dirty="0" smtClean="0">
+              <a:rPr lang="en-US" altLang="ko-KR" dirty="0" smtClean="0">
                 <a:latin typeface="배달의민족 주아" pitchFamily="18" charset="-127"/>
                 <a:ea typeface="배달의민족 주아" pitchFamily="18" charset="-127"/>
               </a:rPr>
             </a:br>
             <a:r>
-              <a:rPr lang="en-US" altLang="ko-KR" sz="3600" dirty="0">
+              <a:rPr lang="en-US" altLang="ko-KR" dirty="0">
                 <a:latin typeface="배달의민족 주아" pitchFamily="18" charset="-127"/>
                 <a:ea typeface="배달의민족 주아" pitchFamily="18" charset="-127"/>
               </a:rPr>
               <a:t>}</a:t>
             </a:r>
             <a:r>
-              <a:rPr lang="en-US" altLang="ko-KR" sz="3600" dirty="0" smtClean="0">
+              <a:rPr lang="en-US" altLang="ko-KR" dirty="0" smtClean="0">
                 <a:latin typeface="배달의민족 주아" pitchFamily="18" charset="-127"/>
                 <a:ea typeface="배달의민족 주아" pitchFamily="18" charset="-127"/>
               </a:rPr>
               <a:t/>
             </a:r>
             <a:br>
-              <a:rPr lang="en-US" altLang="ko-KR" sz="3600" dirty="0" smtClean="0">
+              <a:rPr lang="en-US" altLang="ko-KR" dirty="0" smtClean="0">
                 <a:latin typeface="배달의민족 주아" pitchFamily="18" charset="-127"/>
                 <a:ea typeface="배달의민족 주아" pitchFamily="18" charset="-127"/>
               </a:rPr>
             </a:br>
-            <a:endParaRPr lang="ko-KR" altLang="en-US" sz="3600" dirty="0">
+            <a:endParaRPr lang="ko-KR" altLang="en-US" dirty="0">
               <a:latin typeface="배달의민족 주아" pitchFamily="18" charset="-127"/>
               <a:ea typeface="배달의민족 주아" pitchFamily="18" charset="-127"/>
             </a:endParaRPr>
@@ -6118,7 +7534,7 @@
     </p:spTree>
     <p:extLst>
       <p:ext uri="{BB962C8B-B14F-4D97-AF65-F5344CB8AC3E}">
-        <p14:creationId xmlns:p14="http://schemas.microsoft.com/office/powerpoint/2010/main" val="3931074062"/>
+        <p14:creationId xmlns:p14="http://schemas.microsoft.com/office/powerpoint/2010/main" val="3770755585"/>
       </p:ext>
     </p:extLst>
   </p:cSld>
@@ -6164,19 +7580,19 @@
         </p:nvSpPr>
         <p:spPr>
           <a:xfrm>
-            <a:off x="2915816" y="2564904"/>
-            <a:ext cx="3672408" cy="1872207"/>
+            <a:off x="1979712" y="2348880"/>
+            <a:ext cx="6048672" cy="2088231"/>
           </a:xfrm>
         </p:spPr>
         <p:txBody>
           <a:bodyPr>
-            <a:normAutofit fontScale="90000"/>
+            <a:noAutofit/>
           </a:bodyPr>
           <a:lstStyle/>
           <a:p>
             <a:pPr algn="l"/>
             <a:r>
-              <a:rPr lang="en-US" altLang="ko-KR" dirty="0" smtClean="0">
+              <a:rPr lang="en-US" altLang="ko-KR" sz="3600" dirty="0" smtClean="0">
                 <a:solidFill>
                   <a:schemeClr val="accent5"/>
                 </a:solidFill>
@@ -6186,234 +7602,212 @@
               <a:t>if</a:t>
             </a:r>
             <a:r>
-              <a:rPr lang="en-US" altLang="ko-KR" dirty="0" smtClean="0">
+              <a:rPr lang="en-US" altLang="ko-KR" sz="3600" dirty="0" smtClean="0">
                 <a:latin typeface="배달의민족 주아" pitchFamily="18" charset="-127"/>
                 <a:ea typeface="배달의민족 주아" pitchFamily="18" charset="-127"/>
               </a:rPr>
               <a:t>(</a:t>
             </a:r>
             <a:r>
-              <a:rPr lang="ko-KR" altLang="en-US" dirty="0" smtClean="0">
+              <a:rPr lang="ko-KR" altLang="en-US" sz="3600" dirty="0" smtClean="0">
                 <a:solidFill>
                   <a:schemeClr val="accent6"/>
                 </a:solidFill>
                 <a:latin typeface="배달의민족 주아" pitchFamily="18" charset="-127"/>
                 <a:ea typeface="배달의민족 주아" pitchFamily="18" charset="-127"/>
               </a:rPr>
-              <a:t>조건</a:t>
-            </a:r>
-            <a:r>
-              <a:rPr lang="en-US" altLang="ko-KR" dirty="0" smtClean="0">
+              <a:t>합계금액이 </a:t>
+            </a:r>
+            <a:r>
+              <a:rPr lang="en-US" altLang="ko-KR" sz="3600" dirty="0" smtClean="0">
                 <a:solidFill>
                   <a:schemeClr val="accent6"/>
                 </a:solidFill>
                 <a:latin typeface="배달의민족 주아" pitchFamily="18" charset="-127"/>
                 <a:ea typeface="배달의민족 주아" pitchFamily="18" charset="-127"/>
               </a:rPr>
-              <a:t>1</a:t>
-            </a:r>
-            <a:r>
-              <a:rPr lang="en-US" altLang="ko-KR" dirty="0" smtClean="0">
+              <a:t>5</a:t>
+            </a:r>
+            <a:r>
+              <a:rPr lang="ko-KR" altLang="en-US" sz="3600" dirty="0" smtClean="0">
+                <a:solidFill>
+                  <a:schemeClr val="accent6"/>
+                </a:solidFill>
+                <a:latin typeface="배달의민족 주아" pitchFamily="18" charset="-127"/>
+                <a:ea typeface="배달의민족 주아" pitchFamily="18" charset="-127"/>
+              </a:rPr>
+              <a:t>만원 이상인가</a:t>
+            </a:r>
+            <a:r>
+              <a:rPr lang="en-US" altLang="ko-KR" sz="3600" dirty="0" smtClean="0">
+                <a:solidFill>
+                  <a:schemeClr val="accent6"/>
+                </a:solidFill>
+                <a:latin typeface="배달의민족 주아" pitchFamily="18" charset="-127"/>
+                <a:ea typeface="배달의민족 주아" pitchFamily="18" charset="-127"/>
+              </a:rPr>
+              <a:t>?</a:t>
+            </a:r>
+            <a:r>
+              <a:rPr lang="en-US" altLang="ko-KR" sz="3600" dirty="0" smtClean="0">
                 <a:latin typeface="배달의민족 주아" pitchFamily="18" charset="-127"/>
                 <a:ea typeface="배달의민족 주아" pitchFamily="18" charset="-127"/>
               </a:rPr>
               <a:t>){</a:t>
             </a:r>
             <a:br>
-              <a:rPr lang="en-US" altLang="ko-KR" dirty="0" smtClean="0">
+              <a:rPr lang="en-US" altLang="ko-KR" sz="3600" dirty="0" smtClean="0">
                 <a:latin typeface="배달의민족 주아" pitchFamily="18" charset="-127"/>
                 <a:ea typeface="배달의민족 주아" pitchFamily="18" charset="-127"/>
               </a:rPr>
             </a:br>
             <a:r>
-              <a:rPr lang="en-US" altLang="ko-KR" dirty="0">
+              <a:rPr lang="en-US" altLang="ko-KR" sz="3600" dirty="0">
                 <a:latin typeface="배달의민족 주아" pitchFamily="18" charset="-127"/>
                 <a:ea typeface="배달의민족 주아" pitchFamily="18" charset="-127"/>
               </a:rPr>
               <a:t>	</a:t>
             </a:r>
             <a:r>
-              <a:rPr lang="ko-KR" altLang="en-US" dirty="0" smtClean="0">
-                <a:latin typeface="배달의민족 주아" pitchFamily="18" charset="-127"/>
-                <a:ea typeface="배달의민족 주아" pitchFamily="18" charset="-127"/>
-              </a:rPr>
-              <a:t>명령블록</a:t>
-            </a:r>
-            <a:r>
-              <a:rPr lang="en-US" altLang="ko-KR" dirty="0" smtClean="0">
+              <a:rPr lang="ko-KR" altLang="en-US" sz="3600" dirty="0" err="1" smtClean="0">
+                <a:latin typeface="배달의민족 주아" pitchFamily="18" charset="-127"/>
+                <a:ea typeface="배달의민족 주아" pitchFamily="18" charset="-127"/>
+              </a:rPr>
+              <a:t>배송비는</a:t>
+            </a:r>
+            <a:r>
+              <a:rPr lang="ko-KR" altLang="en-US" sz="3600" dirty="0" smtClean="0">
+                <a:latin typeface="배달의민족 주아" pitchFamily="18" charset="-127"/>
+                <a:ea typeface="배달의민족 주아" pitchFamily="18" charset="-127"/>
+              </a:rPr>
+              <a:t> </a:t>
+            </a:r>
+            <a:r>
+              <a:rPr lang="en-US" altLang="ko-KR" sz="3600" dirty="0" smtClean="0">
+                <a:latin typeface="배달의민족 주아" pitchFamily="18" charset="-127"/>
+                <a:ea typeface="배달의민족 주아" pitchFamily="18" charset="-127"/>
+              </a:rPr>
+              <a:t>0</a:t>
+            </a:r>
+            <a:r>
+              <a:rPr lang="ko-KR" altLang="en-US" sz="3600" dirty="0" smtClean="0">
+                <a:latin typeface="배달의민족 주아" pitchFamily="18" charset="-127"/>
+                <a:ea typeface="배달의민족 주아" pitchFamily="18" charset="-127"/>
+              </a:rPr>
+              <a:t>원이다</a:t>
+            </a:r>
+            <a:r>
+              <a:rPr lang="en-US" altLang="ko-KR" sz="3600" dirty="0" smtClean="0">
+                <a:latin typeface="배달의민족 주아" pitchFamily="18" charset="-127"/>
+                <a:ea typeface="배달의민족 주아" pitchFamily="18" charset="-127"/>
+              </a:rPr>
+              <a:t>.</a:t>
+            </a:r>
+            <a:br>
+              <a:rPr lang="en-US" altLang="ko-KR" sz="3600" dirty="0" smtClean="0">
+                <a:latin typeface="배달의민족 주아" pitchFamily="18" charset="-127"/>
+                <a:ea typeface="배달의민족 주아" pitchFamily="18" charset="-127"/>
+              </a:rPr>
+            </a:br>
+            <a:r>
+              <a:rPr lang="en-US" altLang="ko-KR" sz="3600" dirty="0" smtClean="0">
+                <a:latin typeface="배달의민족 주아" pitchFamily="18" charset="-127"/>
+                <a:ea typeface="배달의민족 주아" pitchFamily="18" charset="-127"/>
+              </a:rPr>
+              <a:t>}</a:t>
+            </a:r>
+            <a:r>
+              <a:rPr lang="en-US" altLang="ko-KR" sz="3600" dirty="0" smtClean="0">
+                <a:solidFill>
+                  <a:schemeClr val="accent5"/>
+                </a:solidFill>
+                <a:latin typeface="배달의민족 주아" pitchFamily="18" charset="-127"/>
+                <a:ea typeface="배달의민족 주아" pitchFamily="18" charset="-127"/>
+              </a:rPr>
+              <a:t>else</a:t>
+            </a:r>
+            <a:r>
+              <a:rPr lang="en-US" altLang="ko-KR" sz="3600" dirty="0" smtClean="0">
+                <a:latin typeface="배달의민족 주아" pitchFamily="18" charset="-127"/>
+                <a:ea typeface="배달의민족 주아" pitchFamily="18" charset="-127"/>
+              </a:rPr>
+              <a:t> {</a:t>
+            </a:r>
+            <a:br>
+              <a:rPr lang="en-US" altLang="ko-KR" sz="3600" dirty="0" smtClean="0">
+                <a:latin typeface="배달의민족 주아" pitchFamily="18" charset="-127"/>
+                <a:ea typeface="배달의민족 주아" pitchFamily="18" charset="-127"/>
+              </a:rPr>
+            </a:br>
+            <a:r>
+              <a:rPr lang="en-US" altLang="ko-KR" sz="3600" dirty="0">
+                <a:latin typeface="배달의민족 주아" pitchFamily="18" charset="-127"/>
+                <a:ea typeface="배달의민족 주아" pitchFamily="18" charset="-127"/>
+              </a:rPr>
+              <a:t>	</a:t>
+            </a:r>
+            <a:r>
+              <a:rPr lang="ko-KR" altLang="en-US" sz="3600" dirty="0" err="1" smtClean="0">
+                <a:latin typeface="배달의민족 주아" pitchFamily="18" charset="-127"/>
+                <a:ea typeface="배달의민족 주아" pitchFamily="18" charset="-127"/>
+              </a:rPr>
+              <a:t>배송비는</a:t>
+            </a:r>
+            <a:r>
+              <a:rPr lang="ko-KR" altLang="en-US" sz="3600" dirty="0" smtClean="0">
+                <a:latin typeface="배달의민족 주아" pitchFamily="18" charset="-127"/>
+                <a:ea typeface="배달의민족 주아" pitchFamily="18" charset="-127"/>
+              </a:rPr>
+              <a:t> </a:t>
+            </a:r>
+            <a:r>
+              <a:rPr lang="en-US" altLang="ko-KR" sz="3600" dirty="0" smtClean="0">
+                <a:latin typeface="배달의민족 주아" pitchFamily="18" charset="-127"/>
+                <a:ea typeface="배달의민족 주아" pitchFamily="18" charset="-127"/>
+              </a:rPr>
+              <a:t>2500</a:t>
+            </a:r>
+            <a:r>
+              <a:rPr lang="ko-KR" altLang="en-US" sz="3600" dirty="0" smtClean="0">
+                <a:latin typeface="배달의민족 주아" pitchFamily="18" charset="-127"/>
+                <a:ea typeface="배달의민족 주아" pitchFamily="18" charset="-127"/>
+              </a:rPr>
+              <a:t>원이다</a:t>
+            </a:r>
+            <a:r>
+              <a:rPr lang="en-US" altLang="ko-KR" sz="3600" dirty="0" smtClean="0">
+                <a:latin typeface="배달의민족 주아" pitchFamily="18" charset="-127"/>
+                <a:ea typeface="배달의민족 주아" pitchFamily="18" charset="-127"/>
+              </a:rPr>
+              <a:t>.</a:t>
+            </a:r>
+            <a:br>
+              <a:rPr lang="en-US" altLang="ko-KR" sz="3600" dirty="0" smtClean="0">
+                <a:latin typeface="배달의민족 주아" pitchFamily="18" charset="-127"/>
+                <a:ea typeface="배달의민족 주아" pitchFamily="18" charset="-127"/>
+              </a:rPr>
+            </a:br>
+            <a:r>
+              <a:rPr lang="en-US" altLang="ko-KR" sz="3600" dirty="0">
+                <a:latin typeface="배달의민족 주아" pitchFamily="18" charset="-127"/>
+                <a:ea typeface="배달의민족 주아" pitchFamily="18" charset="-127"/>
+              </a:rPr>
+              <a:t>}</a:t>
+            </a:r>
+            <a:r>
+              <a:rPr lang="en-US" altLang="ko-KR" sz="3600" dirty="0" smtClean="0">
                 <a:latin typeface="배달의민족 주아" pitchFamily="18" charset="-127"/>
                 <a:ea typeface="배달의민족 주아" pitchFamily="18" charset="-127"/>
               </a:rPr>
               <a:t/>
             </a:r>
             <a:br>
-              <a:rPr lang="en-US" altLang="ko-KR" dirty="0" smtClean="0">
+              <a:rPr lang="en-US" altLang="ko-KR" sz="3600" dirty="0" smtClean="0">
                 <a:latin typeface="배달의민족 주아" pitchFamily="18" charset="-127"/>
                 <a:ea typeface="배달의민족 주아" pitchFamily="18" charset="-127"/>
               </a:rPr>
             </a:br>
-            <a:r>
-              <a:rPr lang="en-US" altLang="ko-KR" dirty="0" smtClean="0">
-                <a:latin typeface="배달의민족 주아" pitchFamily="18" charset="-127"/>
-                <a:ea typeface="배달의민족 주아" pitchFamily="18" charset="-127"/>
-              </a:rPr>
-              <a:t>}</a:t>
-            </a:r>
-            <a:r>
-              <a:rPr lang="en-US" altLang="ko-KR" dirty="0" smtClean="0">
-                <a:solidFill>
-                  <a:schemeClr val="accent5"/>
-                </a:solidFill>
-                <a:latin typeface="배달의민족 주아" pitchFamily="18" charset="-127"/>
-                <a:ea typeface="배달의민족 주아" pitchFamily="18" charset="-127"/>
-              </a:rPr>
-              <a:t>else if</a:t>
-            </a:r>
-            <a:r>
-              <a:rPr lang="en-US" altLang="ko-KR" dirty="0" smtClean="0">
-                <a:latin typeface="배달의민족 주아" pitchFamily="18" charset="-127"/>
-                <a:ea typeface="배달의민족 주아" pitchFamily="18" charset="-127"/>
-              </a:rPr>
-              <a:t> (</a:t>
-            </a:r>
-            <a:r>
-              <a:rPr lang="ko-KR" altLang="en-US" dirty="0" smtClean="0">
-                <a:solidFill>
-                  <a:schemeClr val="accent6"/>
-                </a:solidFill>
-                <a:latin typeface="배달의민족 주아" pitchFamily="18" charset="-127"/>
-                <a:ea typeface="배달의민족 주아" pitchFamily="18" charset="-127"/>
-              </a:rPr>
-              <a:t>조건</a:t>
-            </a:r>
-            <a:r>
-              <a:rPr lang="en-US" altLang="ko-KR" dirty="0" smtClean="0">
-                <a:solidFill>
-                  <a:schemeClr val="accent6"/>
-                </a:solidFill>
-                <a:latin typeface="배달의민족 주아" pitchFamily="18" charset="-127"/>
-                <a:ea typeface="배달의민족 주아" pitchFamily="18" charset="-127"/>
-              </a:rPr>
-              <a:t>2</a:t>
-            </a:r>
-            <a:r>
-              <a:rPr lang="en-US" altLang="ko-KR" dirty="0" smtClean="0">
-                <a:latin typeface="배달의민족 주아" pitchFamily="18" charset="-127"/>
-                <a:ea typeface="배달의민족 주아" pitchFamily="18" charset="-127"/>
-              </a:rPr>
-              <a:t>){</a:t>
-            </a:r>
-            <a:br>
-              <a:rPr lang="en-US" altLang="ko-KR" dirty="0" smtClean="0">
-                <a:latin typeface="배달의민족 주아" pitchFamily="18" charset="-127"/>
-                <a:ea typeface="배달의민족 주아" pitchFamily="18" charset="-127"/>
-              </a:rPr>
-            </a:br>
-            <a:r>
-              <a:rPr lang="en-US" altLang="ko-KR" dirty="0">
-                <a:latin typeface="배달의민족 주아" pitchFamily="18" charset="-127"/>
-                <a:ea typeface="배달의민족 주아" pitchFamily="18" charset="-127"/>
-              </a:rPr>
-              <a:t>	</a:t>
-            </a:r>
-            <a:r>
-              <a:rPr lang="ko-KR" altLang="en-US" dirty="0" smtClean="0">
-                <a:latin typeface="배달의민족 주아" pitchFamily="18" charset="-127"/>
-                <a:ea typeface="배달의민족 주아" pitchFamily="18" charset="-127"/>
-              </a:rPr>
-              <a:t>명령블록</a:t>
-            </a:r>
-            <a:r>
-              <a:rPr lang="en-US" altLang="ko-KR" dirty="0" smtClean="0">
-                <a:latin typeface="배달의민족 주아" pitchFamily="18" charset="-127"/>
-                <a:ea typeface="배달의민족 주아" pitchFamily="18" charset="-127"/>
-              </a:rPr>
-              <a:t/>
-            </a:r>
-            <a:br>
-              <a:rPr lang="en-US" altLang="ko-KR" dirty="0" smtClean="0">
-                <a:latin typeface="배달의민족 주아" pitchFamily="18" charset="-127"/>
-                <a:ea typeface="배달의민족 주아" pitchFamily="18" charset="-127"/>
-              </a:rPr>
-            </a:br>
-            <a:r>
-              <a:rPr lang="en-US" altLang="ko-KR" dirty="0" smtClean="0">
-                <a:latin typeface="배달의민족 주아" pitchFamily="18" charset="-127"/>
-                <a:ea typeface="배달의민족 주아" pitchFamily="18" charset="-127"/>
-              </a:rPr>
-              <a:t>}</a:t>
-            </a:r>
-            <a:r>
-              <a:rPr lang="en-US" altLang="ko-KR" dirty="0" smtClean="0">
-                <a:solidFill>
-                  <a:schemeClr val="accent5"/>
-                </a:solidFill>
-                <a:latin typeface="배달의민족 주아" pitchFamily="18" charset="-127"/>
-                <a:ea typeface="배달의민족 주아" pitchFamily="18" charset="-127"/>
-              </a:rPr>
-              <a:t>else</a:t>
-            </a:r>
-            <a:r>
-              <a:rPr lang="en-US" altLang="ko-KR" dirty="0" smtClean="0">
-                <a:latin typeface="배달의민족 주아" pitchFamily="18" charset="-127"/>
-                <a:ea typeface="배달의민족 주아" pitchFamily="18" charset="-127"/>
-              </a:rPr>
-              <a:t>{</a:t>
-            </a:r>
-            <a:br>
-              <a:rPr lang="en-US" altLang="ko-KR" dirty="0" smtClean="0">
-                <a:latin typeface="배달의민족 주아" pitchFamily="18" charset="-127"/>
-                <a:ea typeface="배달의민족 주아" pitchFamily="18" charset="-127"/>
-              </a:rPr>
-            </a:br>
-            <a:r>
-              <a:rPr lang="en-US" altLang="ko-KR" dirty="0" smtClean="0">
-                <a:latin typeface="배달의민족 주아" pitchFamily="18" charset="-127"/>
-                <a:ea typeface="배달의민족 주아" pitchFamily="18" charset="-127"/>
-              </a:rPr>
-              <a:t>	</a:t>
-            </a:r>
-            <a:r>
-              <a:rPr lang="ko-KR" altLang="en-US" dirty="0" smtClean="0">
-                <a:latin typeface="배달의민족 주아" pitchFamily="18" charset="-127"/>
-                <a:ea typeface="배달의민족 주아" pitchFamily="18" charset="-127"/>
-              </a:rPr>
-              <a:t>명령블록</a:t>
-            </a:r>
-            <a:r>
-              <a:rPr lang="en-US" altLang="ko-KR" dirty="0" smtClean="0">
-                <a:latin typeface="배달의민족 주아" pitchFamily="18" charset="-127"/>
-                <a:ea typeface="배달의민족 주아" pitchFamily="18" charset="-127"/>
-              </a:rPr>
-              <a:t/>
-            </a:r>
-            <a:br>
-              <a:rPr lang="en-US" altLang="ko-KR" dirty="0" smtClean="0">
-                <a:latin typeface="배달의민족 주아" pitchFamily="18" charset="-127"/>
-                <a:ea typeface="배달의민족 주아" pitchFamily="18" charset="-127"/>
-              </a:rPr>
-            </a:br>
-            <a:r>
-              <a:rPr lang="en-US" altLang="ko-KR" dirty="0">
-                <a:latin typeface="배달의민족 주아" pitchFamily="18" charset="-127"/>
-                <a:ea typeface="배달의민족 주아" pitchFamily="18" charset="-127"/>
-              </a:rPr>
-              <a:t>}</a:t>
-            </a:r>
-            <a:r>
-              <a:rPr lang="en-US" altLang="ko-KR" dirty="0" smtClean="0">
-                <a:latin typeface="배달의민족 주아" pitchFamily="18" charset="-127"/>
-                <a:ea typeface="배달의민족 주아" pitchFamily="18" charset="-127"/>
-              </a:rPr>
-              <a:t/>
-            </a:r>
-            <a:br>
-              <a:rPr lang="en-US" altLang="ko-KR" dirty="0" smtClean="0">
-                <a:latin typeface="배달의민족 주아" pitchFamily="18" charset="-127"/>
-                <a:ea typeface="배달의민족 주아" pitchFamily="18" charset="-127"/>
-              </a:rPr>
-            </a:br>
-            <a:endParaRPr lang="ko-KR" altLang="en-US" dirty="0">
+            <a:endParaRPr lang="ko-KR" altLang="en-US" sz="3600" dirty="0">
               <a:latin typeface="배달의민족 주아" pitchFamily="18" charset="-127"/>
               <a:ea typeface="배달의민족 주아" pitchFamily="18" charset="-127"/>
             </a:endParaRPr>
@@ -6486,7 +7880,7 @@
     </p:spTree>
     <p:extLst>
       <p:ext uri="{BB962C8B-B14F-4D97-AF65-F5344CB8AC3E}">
-        <p14:creationId xmlns:p14="http://schemas.microsoft.com/office/powerpoint/2010/main" val="2610206108"/>
+        <p14:creationId xmlns:p14="http://schemas.microsoft.com/office/powerpoint/2010/main" val="3931074062"/>
       </p:ext>
     </p:extLst>
   </p:cSld>
